--- a/posts/3/slides.pptx
+++ b/posts/3/slides.pptx
@@ -3923,7 +3923,7 @@
           <a:solidFill>
             <a:srgbClr val="232136"/>
           </a:solidFill>
-          <a:ln w="25400" cap="flat" cmpd="sng" algn="ctr">
+          <a:ln w="28575" cap="flat" cmpd="sng" algn="ctr">
             <a:noFill/>
             <a:prstDash val="solid"/>
           </a:ln>
@@ -3944,65 +3944,6 @@
             <a:schemeClr val="lt1"/>
           </a:fontRef>
         </p:style>
-      </p:sp>
-      <p:sp>
-        <p:nvSpPr>
-          <p:cNvPr id="2049656921" name="TextBox 6"/>
-          <p:cNvSpPr txBox="1"/>
-          <p:nvPr/>
-        </p:nvSpPr>
-        <p:spPr bwMode="auto">
-          <a:xfrm rot="0" flipH="0" flipV="0">
-            <a:off x="-291597" y="163462"/>
-            <a:ext cx="11004683" cy="782552"/>
-          </a:xfrm>
-          <a:prstGeom prst="rect">
-            <a:avLst/>
-          </a:prstGeom>
-        </p:spPr>
-        <p:txBody>
-          <a:bodyPr lIns="0" tIns="0" rIns="0" bIns="0" rtlCol="0" anchor="t">
-            <a:spAutoFit/>
-          </a:bodyPr>
-          <a:lstStyle/>
-          <a:p>
-            <a:pPr algn="ctr">
-              <a:lnSpc>
-                <a:spcPts val="6159"/>
-              </a:lnSpc>
-              <a:defRPr/>
-            </a:pPr>
-            <a:r>
-              <a:rPr lang="en-US" sz="2800" b="0">
-                <a:solidFill>
-                  <a:schemeClr val="bg1"/>
-                </a:solidFill>
-                <a:latin typeface="Agave"/>
-                <a:ea typeface="Agave"/>
-                <a:cs typeface="Agave"/>
-              </a:rPr>
-              <a:t>Plant Protein, </a:t>
-            </a:r>
-            <a:r>
-              <a:rPr lang="en-US" sz="2800" b="0">
-                <a:solidFill>
-                  <a:schemeClr val="bg1"/>
-                </a:solidFill>
-                <a:latin typeface="Agave"/>
-                <a:ea typeface="Agave"/>
-                <a:cs typeface="Agave"/>
-              </a:rPr>
-              <a:t>Meat and Cardiovascular Disease (CVD)</a:t>
-            </a:r>
-            <a:endParaRPr sz="2800" b="0">
-              <a:solidFill>
-                <a:schemeClr val="bg1"/>
-              </a:solidFill>
-              <a:latin typeface="Tinos"/>
-              <a:cs typeface="Tinos"/>
-            </a:endParaRPr>
-          </a:p>
-        </p:txBody>
       </p:sp>
       <p:pic>
         <p:nvPicPr>
@@ -4427,7 +4368,7 @@
         </p:nvSpPr>
         <p:spPr bwMode="auto">
           <a:xfrm rot="0" flipH="0" flipV="0">
-            <a:off x="8875237" y="9443440"/>
+            <a:off x="8768151" y="9279215"/>
             <a:ext cx="1261780" cy="782552"/>
           </a:xfrm>
           <a:prstGeom prst="rect">
@@ -4716,7 +4657,7 @@
           <p:nvPr/>
         </p:nvCxnSpPr>
         <p:spPr bwMode="auto">
-          <a:xfrm rot="10799953" flipH="1" flipV="0">
+          <a:xfrm rot="10799952" flipH="1" flipV="0">
             <a:off x="954006" y="8220703"/>
             <a:ext cx="7947292" cy="33995"/>
           </a:xfrm>
@@ -4853,14 +4794,14 @@
       </p:sp>
       <p:sp>
         <p:nvSpPr>
-          <p:cNvPr id="1565703115" name="TextBox 6"/>
+          <p:cNvPr id="110133934" name="TextBox 6"/>
           <p:cNvSpPr txBox="1"/>
           <p:nvPr/>
         </p:nvSpPr>
         <p:spPr bwMode="auto">
           <a:xfrm rot="0" flipH="0" flipV="0">
-            <a:off x="581143" y="9443439"/>
-            <a:ext cx="3416899" cy="782552"/>
+            <a:off x="501507" y="9279211"/>
+            <a:ext cx="4016426" cy="782298"/>
           </a:xfrm>
           <a:prstGeom prst="rect">
             <a:avLst/>
@@ -4874,7 +4815,7 @@
           <a:p>
             <a:pPr algn="ctr">
               <a:lnSpc>
-                <a:spcPts val="6158"/>
+                <a:spcPts val="6157"/>
               </a:lnSpc>
               <a:defRPr/>
             </a:pPr>
@@ -4887,7 +4828,7 @@
                 <a:ea typeface="Agave"/>
                 <a:cs typeface="Agave"/>
               </a:rPr>
-              <a:t>Health and Happiness</a:t>
+              <a:t>Counsels on Lifestyle</a:t>
             </a:r>
             <a:endParaRPr sz="2600" b="0">
               <a:solidFill>
@@ -4896,6 +4837,113 @@
               <a:latin typeface="Tinos"/>
               <a:cs typeface="Tinos"/>
             </a:endParaRPr>
+          </a:p>
+        </p:txBody>
+      </p:sp>
+      <p:sp>
+        <p:nvSpPr>
+          <p:cNvPr id="607314422" name="TextBox 6"/>
+          <p:cNvSpPr txBox="1"/>
+          <p:nvPr/>
+        </p:nvSpPr>
+        <p:spPr bwMode="auto">
+          <a:xfrm rot="0" flipH="0" flipV="0">
+            <a:off x="-291594" y="163460"/>
+            <a:ext cx="11011159" cy="782425"/>
+          </a:xfrm>
+          <a:prstGeom prst="rect">
+            <a:avLst/>
+          </a:prstGeom>
+        </p:spPr>
+        <p:txBody>
+          <a:bodyPr lIns="0" tIns="0" rIns="0" bIns="0" rtlCol="0" anchor="t">
+            <a:spAutoFit/>
+          </a:bodyPr>
+          <a:lstStyle/>
+          <a:p>
+            <a:pPr algn="ctr">
+              <a:lnSpc>
+                <a:spcPts val="6157"/>
+              </a:lnSpc>
+              <a:defRPr/>
+            </a:pPr>
+            <a:r>
+              <a:rPr lang="en-US" sz="2800" b="0">
+                <a:solidFill>
+                  <a:schemeClr val="bg1"/>
+                </a:solidFill>
+                <a:latin typeface="Agave"/>
+                <a:ea typeface="Agave"/>
+                <a:cs typeface="Agave"/>
+              </a:rPr>
+              <a:t>Nuts, Seeds, </a:t>
+            </a:r>
+            <a:r>
+              <a:rPr lang="en-US" sz="2800" b="0">
+                <a:solidFill>
+                  <a:schemeClr val="bg1"/>
+                </a:solidFill>
+                <a:latin typeface="Agave"/>
+                <a:ea typeface="Agave"/>
+                <a:cs typeface="Agave"/>
+              </a:rPr>
+              <a:t>Meat and Cardiovascular Disease (CVD)</a:t>
+            </a:r>
+            <a:endParaRPr sz="2800" b="0">
+              <a:solidFill>
+                <a:schemeClr val="bg1"/>
+              </a:solidFill>
+              <a:latin typeface="Tinos"/>
+              <a:cs typeface="Tinos"/>
+            </a:endParaRPr>
+          </a:p>
+        </p:txBody>
+      </p:sp>
+      <p:sp>
+        <p:nvSpPr>
+          <p:cNvPr id="1532586789" name=""/>
+          <p:cNvSpPr/>
+          <p:nvPr/>
+        </p:nvSpPr>
+        <p:spPr bwMode="auto">
+          <a:xfrm flipH="0" flipV="0">
+            <a:off x="25439" y="0"/>
+            <a:ext cx="10247583" cy="10286997"/>
+          </a:xfrm>
+          <a:prstGeom prst="rect">
+            <a:avLst/>
+          </a:prstGeom>
+          <a:noFill/>
+          <a:ln w="57150" cap="flat" cmpd="sng" algn="ctr">
+            <a:solidFill>
+              <a:schemeClr val="bg1"/>
+            </a:solidFill>
+            <a:prstDash val="solid"/>
+          </a:ln>
+        </p:spPr>
+        <p:style>
+          <a:lnRef idx="2">
+            <a:schemeClr val="accent1">
+              <a:shade val="50000"/>
+            </a:schemeClr>
+          </a:lnRef>
+          <a:fillRef idx="1">
+            <a:schemeClr val="accent1"/>
+          </a:fillRef>
+          <a:effectRef idx="0">
+            <a:schemeClr val="accent1"/>
+          </a:effectRef>
+          <a:fontRef idx="minor">
+            <a:schemeClr val="lt1"/>
+          </a:fontRef>
+        </p:style>
+        <p:txBody>
+          <a:bodyPr/>
+          <a:p>
+            <a:pPr>
+              <a:defRPr/>
+            </a:pPr>
+            <a:endParaRPr/>
           </a:p>
         </p:txBody>
       </p:sp>
@@ -4985,110 +5033,14 @@
       </p:sp>
       <p:sp>
         <p:nvSpPr>
-          <p:cNvPr id="704332636" name="TextBox 6"/>
-          <p:cNvSpPr txBox="1"/>
-          <p:nvPr/>
-        </p:nvSpPr>
-        <p:spPr bwMode="auto">
-          <a:xfrm rot="0" flipH="0" flipV="0">
-            <a:off x="8875237" y="9443440"/>
-            <a:ext cx="1262502" cy="782552"/>
-          </a:xfrm>
-          <a:prstGeom prst="rect">
-            <a:avLst/>
-          </a:prstGeom>
-        </p:spPr>
-        <p:txBody>
-          <a:bodyPr lIns="0" tIns="0" rIns="0" bIns="0" rtlCol="0" anchor="t">
-            <a:spAutoFit/>
-          </a:bodyPr>
-          <a:lstStyle/>
-          <a:p>
-            <a:pPr algn="ctr">
-              <a:lnSpc>
-                <a:spcPts val="6159"/>
-              </a:lnSpc>
-              <a:defRPr/>
-            </a:pPr>
-            <a:r>
-              <a:rPr lang="en-US" sz="2600" b="0">
-                <a:solidFill>
-                  <a:schemeClr val="bg1"/>
-                </a:solidFill>
-                <a:latin typeface="Agave"/>
-                <a:ea typeface="Agave"/>
-                <a:cs typeface="Agave"/>
-              </a:rPr>
-              <a:t>2/3</a:t>
-            </a:r>
-            <a:endParaRPr sz="2600" b="0">
-              <a:solidFill>
-                <a:schemeClr val="bg1"/>
-              </a:solidFill>
-              <a:latin typeface="Tinos"/>
-              <a:cs typeface="Tinos"/>
-            </a:endParaRPr>
-          </a:p>
-        </p:txBody>
-      </p:sp>
-      <p:sp>
-        <p:nvSpPr>
-          <p:cNvPr id="132835768" name="TextBox 6"/>
-          <p:cNvSpPr txBox="1"/>
-          <p:nvPr/>
-        </p:nvSpPr>
-        <p:spPr bwMode="auto">
-          <a:xfrm rot="0" flipH="0" flipV="0">
-            <a:off x="581144" y="9443439"/>
-            <a:ext cx="3416539" cy="782552"/>
-          </a:xfrm>
-          <a:prstGeom prst="rect">
-            <a:avLst/>
-          </a:prstGeom>
-        </p:spPr>
-        <p:txBody>
-          <a:bodyPr lIns="0" tIns="0" rIns="0" bIns="0" rtlCol="0" anchor="t">
-            <a:spAutoFit/>
-          </a:bodyPr>
-          <a:lstStyle/>
-          <a:p>
-            <a:pPr algn="ctr">
-              <a:lnSpc>
-                <a:spcPts val="6159"/>
-              </a:lnSpc>
-              <a:defRPr/>
-            </a:pPr>
-            <a:r>
-              <a:rPr lang="en-US" sz="2600" b="0">
-                <a:solidFill>
-                  <a:schemeClr val="bg1"/>
-                </a:solidFill>
-                <a:latin typeface="Agave"/>
-                <a:ea typeface="Agave"/>
-                <a:cs typeface="Agave"/>
-              </a:rPr>
-              <a:t>Health and Happiness</a:t>
-            </a:r>
-            <a:endParaRPr sz="2600" b="0">
-              <a:solidFill>
-                <a:schemeClr val="bg1"/>
-              </a:solidFill>
-              <a:latin typeface="Tinos"/>
-              <a:cs typeface="Tinos"/>
-            </a:endParaRPr>
-          </a:p>
-        </p:txBody>
-      </p:sp>
-      <p:sp>
-        <p:nvSpPr>
           <p:cNvPr id="1708333852" name=""/>
           <p:cNvSpPr txBox="1"/>
           <p:nvPr/>
         </p:nvSpPr>
         <p:spPr bwMode="auto">
           <a:xfrm flipH="0" flipV="0">
-            <a:off x="970765" y="1323642"/>
-            <a:ext cx="8484993" cy="9510120"/>
+            <a:off x="970764" y="1323641"/>
+            <a:ext cx="8595512" cy="9510120"/>
           </a:xfrm>
           <a:prstGeom prst="rect">
             <a:avLst/>
@@ -5198,7 +5150,7 @@
             <a:r>
               <a:rPr lang="en-US" sz="2800" b="1" i="0" u="none" strike="noStrike" cap="none" spc="0">
                 <a:solidFill>
-                  <a:srgbClr val="EB6F92"/>
+                  <a:srgbClr val="92D050"/>
                 </a:solidFill>
                 <a:latin typeface="Agave"/>
                 <a:ea typeface="Agave"/>
@@ -5324,7 +5276,7 @@
                 <a:ea typeface="Agave"/>
                 <a:cs typeface="Agave"/>
               </a:rPr>
-              <a:t>Are there any changes I can make to protect myself and where can I learn more about that?</a:t>
+              <a:t>What can I do to increase my intake of foods that are protective against cardiovascular disease?</a:t>
             </a:r>
             <a:endParaRPr lang="en-US" sz="2600" b="1" i="0" u="none" strike="noStrike" cap="none" spc="0">
               <a:solidFill>
@@ -5381,8 +5333,8 @@
         </p:nvSpPr>
         <p:spPr bwMode="auto">
           <a:xfrm rot="0" flipH="0" flipV="0">
-            <a:off x="-291596" y="163461"/>
-            <a:ext cx="11005761" cy="782425"/>
+            <a:off x="-291594" y="163460"/>
+            <a:ext cx="11010800" cy="782425"/>
           </a:xfrm>
           <a:prstGeom prst="rect">
             <a:avLst/>
@@ -5409,7 +5361,7 @@
                 <a:ea typeface="Agave"/>
                 <a:cs typeface="Agave"/>
               </a:rPr>
-              <a:t>Plant Protein, </a:t>
+              <a:t>Nuts, Seeds, </a:t>
             </a:r>
             <a:r>
               <a:rPr lang="en-US" sz="2800" b="0">
@@ -5481,6 +5433,156 @@
               <a:latin typeface="Tinos"/>
               <a:cs typeface="Tinos"/>
             </a:endParaRPr>
+          </a:p>
+        </p:txBody>
+      </p:sp>
+      <p:sp>
+        <p:nvSpPr>
+          <p:cNvPr id="1123120435" name="TextBox 6"/>
+          <p:cNvSpPr txBox="1"/>
+          <p:nvPr/>
+        </p:nvSpPr>
+        <p:spPr bwMode="auto">
+          <a:xfrm rot="0" flipH="0" flipV="0">
+            <a:off x="8768151" y="9279214"/>
+            <a:ext cx="1262859" cy="782552"/>
+          </a:xfrm>
+          <a:prstGeom prst="rect">
+            <a:avLst/>
+          </a:prstGeom>
+        </p:spPr>
+        <p:txBody>
+          <a:bodyPr lIns="0" tIns="0" rIns="0" bIns="0" rtlCol="0" anchor="t">
+            <a:spAutoFit/>
+          </a:bodyPr>
+          <a:lstStyle/>
+          <a:p>
+            <a:pPr algn="ctr">
+              <a:lnSpc>
+                <a:spcPts val="6158"/>
+              </a:lnSpc>
+              <a:defRPr/>
+            </a:pPr>
+            <a:r>
+              <a:rPr lang="en-US" sz="2600" b="0">
+                <a:solidFill>
+                  <a:schemeClr val="bg1"/>
+                </a:solidFill>
+                <a:latin typeface="Agave"/>
+                <a:ea typeface="Agave"/>
+                <a:cs typeface="Agave"/>
+              </a:rPr>
+              <a:t>2/3</a:t>
+            </a:r>
+            <a:endParaRPr sz="2600" b="0">
+              <a:solidFill>
+                <a:schemeClr val="bg1"/>
+              </a:solidFill>
+              <a:latin typeface="Tinos"/>
+              <a:cs typeface="Tinos"/>
+            </a:endParaRPr>
+          </a:p>
+        </p:txBody>
+      </p:sp>
+      <p:sp>
+        <p:nvSpPr>
+          <p:cNvPr id="1379895495" name="TextBox 6"/>
+          <p:cNvSpPr txBox="1"/>
+          <p:nvPr/>
+        </p:nvSpPr>
+        <p:spPr bwMode="auto">
+          <a:xfrm rot="0" flipH="0" flipV="0">
+            <a:off x="501507" y="9279211"/>
+            <a:ext cx="4009586" cy="1056618"/>
+          </a:xfrm>
+          <a:prstGeom prst="rect">
+            <a:avLst/>
+          </a:prstGeom>
+        </p:spPr>
+        <p:txBody>
+          <a:bodyPr lIns="0" tIns="0" rIns="0" bIns="0" rtlCol="0" anchor="t">
+            <a:spAutoFit/>
+          </a:bodyPr>
+          <a:lstStyle/>
+          <a:p>
+            <a:pPr algn="ctr">
+              <a:lnSpc>
+                <a:spcPts val="6156"/>
+              </a:lnSpc>
+              <a:defRPr/>
+            </a:pPr>
+            <a:r>
+              <a:rPr lang="en-US" sz="2600" b="0" i="0" u="none" strike="noStrike" cap="none" spc="0">
+                <a:solidFill>
+                  <a:schemeClr val="bg1"/>
+                </a:solidFill>
+                <a:latin typeface="Agave"/>
+                <a:ea typeface="Agave"/>
+                <a:cs typeface="Agave"/>
+              </a:rPr>
+              <a:t>Counsels on Lifestyle</a:t>
+            </a:r>
+            <a:endParaRPr sz="2600" b="0">
+              <a:solidFill>
+                <a:schemeClr val="bg1"/>
+              </a:solidFill>
+              <a:latin typeface="Tinos"/>
+              <a:cs typeface="Tinos"/>
+            </a:endParaRPr>
+          </a:p>
+          <a:p>
+            <a:pPr>
+              <a:defRPr/>
+            </a:pPr>
+            <a:endParaRPr/>
+          </a:p>
+        </p:txBody>
+      </p:sp>
+      <p:sp>
+        <p:nvSpPr>
+          <p:cNvPr id="396762276" name=""/>
+          <p:cNvSpPr/>
+          <p:nvPr/>
+        </p:nvSpPr>
+        <p:spPr bwMode="auto">
+          <a:xfrm flipH="0" flipV="0">
+            <a:off x="25440" y="0"/>
+            <a:ext cx="10247584" cy="10286999"/>
+          </a:xfrm>
+          <a:prstGeom prst="rect">
+            <a:avLst/>
+          </a:prstGeom>
+          <a:noFill/>
+          <a:ln w="57150" cap="flat" cmpd="sng" algn="ctr">
+            <a:solidFill>
+              <a:schemeClr val="bg1"/>
+            </a:solidFill>
+            <a:prstDash val="solid"/>
+          </a:ln>
+        </p:spPr>
+        <p:style>
+          <a:lnRef idx="2">
+            <a:schemeClr val="accent1">
+              <a:shade val="50000"/>
+            </a:schemeClr>
+          </a:lnRef>
+          <a:fillRef idx="1">
+            <a:schemeClr val="accent1"/>
+          </a:fillRef>
+          <a:effectRef idx="0">
+            <a:schemeClr val="accent1"/>
+          </a:effectRef>
+          <a:fontRef idx="minor">
+            <a:schemeClr val="lt1"/>
+          </a:fontRef>
+        </p:style>
+        <p:txBody>
+          <a:bodyPr/>
+          <a:p>
+            <a:pPr>
+              <a:defRPr/>
+            </a:pPr>
+            <a:endParaRPr/>
           </a:p>
         </p:txBody>
       </p:sp>
@@ -5570,62 +5672,14 @@
       </p:sp>
       <p:sp>
         <p:nvSpPr>
-          <p:cNvPr id="390018526" name="TextBox 6"/>
-          <p:cNvSpPr txBox="1"/>
-          <p:nvPr/>
-        </p:nvSpPr>
-        <p:spPr bwMode="auto">
-          <a:xfrm rot="0" flipH="0" flipV="0">
-            <a:off x="8875237" y="9443440"/>
-            <a:ext cx="1263222" cy="782552"/>
-          </a:xfrm>
-          <a:prstGeom prst="rect">
-            <a:avLst/>
-          </a:prstGeom>
-        </p:spPr>
-        <p:txBody>
-          <a:bodyPr lIns="0" tIns="0" rIns="0" bIns="0" rtlCol="0" anchor="t">
-            <a:spAutoFit/>
-          </a:bodyPr>
-          <a:lstStyle/>
-          <a:p>
-            <a:pPr algn="ctr">
-              <a:lnSpc>
-                <a:spcPts val="6159"/>
-              </a:lnSpc>
-              <a:defRPr/>
-            </a:pPr>
-            <a:r>
-              <a:rPr lang="en-US" sz="2600" b="0">
-                <a:solidFill>
-                  <a:schemeClr val="bg1"/>
-                </a:solidFill>
-                <a:latin typeface="Agave"/>
-                <a:ea typeface="Agave"/>
-                <a:cs typeface="Agave"/>
-              </a:rPr>
-              <a:t>3/3</a:t>
-            </a:r>
-            <a:endParaRPr sz="2600" b="0">
-              <a:solidFill>
-                <a:schemeClr val="bg1"/>
-              </a:solidFill>
-              <a:latin typeface="Tinos"/>
-              <a:cs typeface="Tinos"/>
-            </a:endParaRPr>
-          </a:p>
-        </p:txBody>
-      </p:sp>
-      <p:sp>
-        <p:nvSpPr>
           <p:cNvPr id="1359300248" name=""/>
           <p:cNvSpPr txBox="1"/>
           <p:nvPr/>
         </p:nvSpPr>
         <p:spPr bwMode="auto">
           <a:xfrm flipH="0" flipV="0">
-            <a:off x="1004103" y="1869804"/>
-            <a:ext cx="8273673" cy="7437479"/>
+            <a:off x="1004100" y="1869804"/>
+            <a:ext cx="8310391" cy="7041239"/>
           </a:xfrm>
           <a:prstGeom prst="rect">
             <a:avLst/>
@@ -5641,7 +5695,7 @@
               <a:defRPr/>
             </a:pPr>
             <a:r>
-              <a:rPr lang="en-US" sz="2400" b="1" i="0" u="none" strike="noStrike" cap="none" spc="0">
+              <a:rPr lang="en-US" sz="2400" b="0" i="0" u="none" strike="noStrike" cap="none" spc="0">
                 <a:solidFill>
                   <a:schemeClr val="bg1"/>
                 </a:solidFill>
@@ -5652,7 +5706,7 @@
               <a:t>Gen 1:29 </a:t>
             </a:r>
             <a:r>
-              <a:rPr lang="en-US" sz="2400" b="1" i="0" u="none" strike="noStrike" cap="none" spc="0">
+              <a:rPr lang="en-US" sz="2400" b="0" i="0" u="none" strike="noStrike" cap="none" spc="0">
                 <a:solidFill>
                   <a:schemeClr val="bg1"/>
                 </a:solidFill>
@@ -5660,7 +5714,51 @@
                 <a:ea typeface="Agave"/>
                 <a:cs typeface="Agave"/>
               </a:rPr>
-              <a:t>...I have given you every herb bearing seed, which [is] upon the face of all the earth, and every tree, in the which [is] the fruit of a tree yielding seed;</a:t>
+              <a:t>...I have given you every herb bearing </a:t>
+            </a:r>
+            <a:r>
+              <a:rPr lang="en-US" sz="2400" b="0" i="0" u="none" strike="noStrike" cap="none" spc="0">
+                <a:solidFill>
+                  <a:srgbClr val="92D050"/>
+                </a:solidFill>
+                <a:latin typeface="Agave"/>
+                <a:ea typeface="Agave"/>
+                <a:cs typeface="Agave"/>
+              </a:rPr>
+              <a:t>seed</a:t>
+            </a:r>
+            <a:r>
+              <a:rPr lang="en-US" sz="2400" b="0" i="0" u="none" strike="noStrike" cap="none" spc="0">
+                <a:solidFill>
+                  <a:schemeClr val="bg1"/>
+                </a:solidFill>
+                <a:latin typeface="Agave"/>
+                <a:ea typeface="Agave"/>
+                <a:cs typeface="Agave"/>
+              </a:rPr>
+              <a:t>... and every tree, in the which [is] the </a:t>
+            </a:r>
+            <a:r>
+              <a:rPr lang="en-US" sz="2400" b="0" i="0" u="none" strike="noStrike" cap="none" spc="0">
+                <a:solidFill>
+                  <a:srgbClr val="92D050"/>
+                </a:solidFill>
+                <a:latin typeface="Agave"/>
+                <a:ea typeface="Agave"/>
+                <a:cs typeface="Agave"/>
+              </a:rPr>
+              <a:t>fruit of a tree yielding seed</a:t>
+            </a:r>
+            <a:r>
+              <a:rPr lang="en-US" sz="2400" b="0" i="0" u="none" strike="noStrike" cap="none" spc="0">
+                <a:solidFill>
+                  <a:schemeClr val="bg1"/>
+                </a:solidFill>
+                <a:latin typeface="Agave"/>
+                <a:ea typeface="Agave"/>
+                <a:cs typeface="Agave"/>
+              </a:rPr>
+              <a:t>;</a:t>
             </a:r>
             <a:endParaRPr lang="en-US" sz="2400" b="1" i="0" u="none" strike="noStrike" cap="none" spc="0">
               <a:solidFill>
@@ -5689,15 +5787,26 @@
               <a:defRPr/>
             </a:pPr>
             <a:r>
-              <a:rPr lang="en-US" sz="2400" b="1" i="0" u="none" strike="noStrike" cap="none" spc="0">
-                <a:solidFill>
-                  <a:srgbClr val="92D050"/>
+              <a:rPr lang="en-US" sz="2400" b="0" i="0" u="none" strike="noStrike" cap="none" spc="0">
+                <a:solidFill>
+                  <a:schemeClr val="bg1"/>
                 </a:solidFill>
                 <a:latin typeface="Agave"/>
                 <a:ea typeface="Agave"/>
                 <a:cs typeface="Agave"/>
               </a:rPr>
-              <a:t>Grains, fruits, nuts, and vegetable</a:t>
+              <a:t>Cancers, tumors, and </a:t>
+            </a:r>
+            <a:r>
+              <a:rPr lang="en-US" sz="2400" b="0" i="0" u="none" strike="noStrike" cap="none" spc="0">
+                <a:solidFill>
+                  <a:srgbClr val="92D050"/>
+                </a:solidFill>
+                <a:latin typeface="Agave"/>
+                <a:ea typeface="Agave"/>
+                <a:cs typeface="Agave"/>
+              </a:rPr>
+              <a:t>pulmonary disease</a:t>
             </a:r>
             <a:r>
               <a:rPr lang="en-US" sz="2400" b="0" i="0" u="none" strike="noStrike" cap="none" spc="0">
@@ -5719,7 +5828,30 @@
                 <a:ea typeface="Agave"/>
                 <a:cs typeface="Agave"/>
               </a:rPr>
-              <a:t> constitute the diet chosen for us by our Creator.</a:t>
+              <a:t> are largely caused by meat eating.—Pacific Union Recorder,</a:t>
+            </a:r>
+            <a:endParaRPr sz="2400" b="0" i="0" u="none" strike="noStrike" cap="none" spc="0">
+              <a:solidFill>
+                <a:schemeClr val="bg1"/>
+              </a:solidFill>
+              <a:latin typeface="Agave"/>
+              <a:cs typeface="Agave"/>
+            </a:endParaRPr>
+          </a:p>
+          <a:p>
+            <a:pPr>
+              <a:defRPr/>
+            </a:pPr>
+            <a:r>
+              <a:rPr lang="en-US" sz="2400" b="0" i="0" u="none" strike="noStrike" cap="none" spc="0">
+                <a:solidFill>
+                  <a:schemeClr val="bg1"/>
+                </a:solidFill>
+                <a:latin typeface="Agave"/>
+                <a:ea typeface="Agave"/>
+                <a:cs typeface="Agave"/>
+              </a:rPr>
+              <a:t>October 9, 1902</a:t>
             </a:r>
             <a:endParaRPr lang="en-US" sz="2400" b="0" i="0" u="none" strike="noStrike" cap="none" spc="0">
               <a:solidFill>
@@ -5739,7 +5871,6 @@
                 <a:schemeClr val="bg1"/>
               </a:solidFill>
               <a:latin typeface="Agave"/>
-              <a:ea typeface="Agave"/>
               <a:cs typeface="Agave"/>
             </a:endParaRPr>
           </a:p>
@@ -5756,18 +5887,18 @@
                 <a:ea typeface="Agave"/>
                 <a:cs typeface="Agave"/>
               </a:rPr>
-              <a:t>God gave man no permission to eat animal food until after the </a:t>
-            </a:r>
-            <a:r>
-              <a:rPr lang="en-US" sz="2400" b="1" i="0" u="none" strike="noStrike" cap="none" spc="0">
-                <a:solidFill>
-                  <a:schemeClr val="bg1"/>
+              <a:t>In </a:t>
+            </a:r>
+            <a:r>
+              <a:rPr lang="en-US" sz="2400" b="0" i="0" u="none" strike="noStrike" cap="none" spc="0">
+                <a:solidFill>
+                  <a:srgbClr val="92D050"/>
                 </a:solidFill>
                 <a:latin typeface="Agave"/>
                 <a:ea typeface="Agave"/>
                 <a:cs typeface="Agave"/>
               </a:rPr>
-              <a:t>flood</a:t>
+              <a:t>grains, fruit, vegetables, and nuts</a:t>
             </a:r>
             <a:r>
               <a:rPr lang="en-US" sz="2400" b="0" i="0" u="none" strike="noStrike" cap="none" spc="0">
@@ -5778,29 +5909,29 @@
                 <a:ea typeface="Agave"/>
                 <a:cs typeface="Agave"/>
               </a:rPr>
-              <a:t>, </a:t>
-            </a:r>
-            <a:r>
-              <a:rPr lang="en-US" sz="2400" b="1" i="0" u="none" strike="noStrike" cap="none" spc="0">
-                <a:solidFill>
-                  <a:srgbClr val="EB6F92"/>
+              <a:t> are to be found all </a:t>
+            </a:r>
+            <a:r>
+              <a:rPr lang="en-US" sz="2400" b="0" i="0" u="none" strike="noStrike" cap="none" spc="0">
+                <a:solidFill>
+                  <a:schemeClr val="bg1"/>
                 </a:solidFill>
                 <a:latin typeface="Agave"/>
                 <a:ea typeface="Agave"/>
                 <a:cs typeface="Agave"/>
               </a:rPr>
-              <a:t>but </a:t>
-            </a:r>
-            <a:r>
-              <a:rPr lang="en-US" sz="2400" b="1" i="0" u="none" strike="noStrike" cap="none" spc="0">
-                <a:solidFill>
-                  <a:srgbClr val="EB6F92"/>
+              <a:t>the food elements that we need. If we will come to the Lord in </a:t>
+            </a:r>
+            <a:r>
+              <a:rPr lang="en-US" sz="2400" b="0" i="0" u="none" strike="noStrike" cap="none" spc="0">
+                <a:solidFill>
+                  <a:schemeClr val="bg1"/>
                 </a:solidFill>
                 <a:latin typeface="Agave"/>
                 <a:ea typeface="Agave"/>
                 <a:cs typeface="Agave"/>
               </a:rPr>
-              <a:t>animal food was not the most healthful article of food for man</a:t>
+              <a:t>simplicity of mind, He will teach us how to prepare wholesome food </a:t>
             </a:r>
             <a:r>
               <a:rPr lang="en-US" sz="2400" b="0" i="0" u="none" strike="noStrike" cap="none" spc="0">
@@ -5811,7 +5942,7 @@
                 <a:ea typeface="Agave"/>
                 <a:cs typeface="Agave"/>
               </a:rPr>
-              <a:t>.</a:t>
+              <a:t>free from the taint of flesh meat.—Manuscript 27, 1906</a:t>
             </a:r>
             <a:endParaRPr lang="en-US" sz="2400" b="0" i="0" u="none" strike="noStrike" cap="none" spc="0">
               <a:solidFill>
@@ -5826,85 +5957,6 @@
             <a:pPr>
               <a:defRPr/>
             </a:pPr>
-            <a:endParaRPr sz="2600" b="0" i="0" u="none" strike="noStrike" cap="none" spc="0">
-              <a:solidFill>
-                <a:schemeClr val="bg1"/>
-              </a:solidFill>
-              <a:latin typeface="Agave"/>
-              <a:cs typeface="Agave"/>
-            </a:endParaRPr>
-          </a:p>
-          <a:p>
-            <a:pPr>
-              <a:defRPr/>
-            </a:pPr>
-            <a:r>
-              <a:rPr lang="en-US" sz="2400" b="0" i="0" u="none" strike="noStrike" cap="none" spc="0">
-                <a:solidFill>
-                  <a:schemeClr val="bg1"/>
-                </a:solidFill>
-                <a:latin typeface="Agave"/>
-                <a:ea typeface="Agave"/>
-                <a:cs typeface="Agave"/>
-              </a:rPr>
-              <a:t>Cancers, tumors, and </a:t>
-            </a:r>
-            <a:r>
-              <a:rPr lang="en-US" sz="2400" b="1" i="0" u="none" strike="noStrike" cap="none" spc="0">
-                <a:solidFill>
-                  <a:srgbClr val="92D050"/>
-                </a:solidFill>
-                <a:latin typeface="Agave"/>
-                <a:ea typeface="Agave"/>
-                <a:cs typeface="Agave"/>
-              </a:rPr>
-              <a:t>pulmonary diseases</a:t>
-            </a:r>
-            <a:r>
-              <a:rPr lang="en-US" sz="2400" b="1" i="0" u="none" strike="noStrike" cap="none" spc="0">
-                <a:solidFill>
-                  <a:schemeClr val="bg1"/>
-                </a:solidFill>
-                <a:latin typeface="Agave"/>
-                <a:ea typeface="Agave"/>
-                <a:cs typeface="Agave"/>
-              </a:rPr>
-              <a:t> </a:t>
-            </a:r>
-            <a:r>
-              <a:rPr lang="en-US" sz="2400" b="1" i="0" u="none" strike="noStrike" cap="none" spc="0">
-                <a:solidFill>
-                  <a:srgbClr val="92D050"/>
-                </a:solidFill>
-                <a:latin typeface="Agave"/>
-                <a:ea typeface="Agave"/>
-                <a:cs typeface="Agave"/>
-              </a:rPr>
-              <a:t>are largely caused by meat eating</a:t>
-            </a:r>
-            <a:r>
-              <a:rPr lang="en-US" sz="2400" b="0" i="0" u="none" strike="noStrike" cap="none" spc="0">
-                <a:solidFill>
-                  <a:schemeClr val="bg1"/>
-                </a:solidFill>
-                <a:latin typeface="Agave"/>
-                <a:ea typeface="Agave"/>
-                <a:cs typeface="Agave"/>
-              </a:rPr>
-              <a:t>.</a:t>
-            </a:r>
-            <a:endParaRPr lang="en-US" sz="2400" b="0" i="0" u="none" strike="noStrike" cap="none" spc="0">
-              <a:solidFill>
-                <a:schemeClr val="bg1"/>
-              </a:solidFill>
-              <a:latin typeface="Agave"/>
-              <a:cs typeface="Agave"/>
-            </a:endParaRPr>
-          </a:p>
-          <a:p>
-            <a:pPr>
-              <a:defRPr/>
-            </a:pPr>
             <a:endParaRPr sz="2400" b="0" i="0" u="none" strike="noStrike" cap="none" spc="0">
               <a:solidFill>
                 <a:schemeClr val="bg1"/>
@@ -5920,24 +5972,24 @@
             <a:r>
               <a:rPr lang="en-US" sz="2400" b="0" i="0" u="none" strike="noStrike" cap="none" spc="0">
                 <a:solidFill>
-                  <a:schemeClr val="bg1"/>
+                  <a:srgbClr val="92D050"/>
                 </a:solidFill>
                 <a:latin typeface="Agave"/>
                 <a:ea typeface="Agave"/>
                 <a:cs typeface="Agave"/>
               </a:rPr>
-              <a:t>...one should be urged </a:t>
+              <a:t>Nuts and nut foods are coming largely into use to take the place </a:t>
             </a:r>
             <a:r>
               <a:rPr lang="en-US" sz="2400" b="0" i="0" u="none" strike="noStrike" cap="none" spc="0">
                 <a:solidFill>
-                  <a:schemeClr val="bg1"/>
+                  <a:srgbClr val="92D050"/>
                 </a:solidFill>
                 <a:latin typeface="Agave"/>
                 <a:ea typeface="Agave"/>
                 <a:cs typeface="Agave"/>
               </a:rPr>
-              <a:t>to make the change abruptly. The place of meat should be supplied </a:t>
+              <a:t>of flesh meats</a:t>
             </a:r>
             <a:r>
               <a:rPr lang="en-US" sz="2400" b="0" i="0" u="none" strike="noStrike" cap="none" spc="0">
@@ -5948,109 +6000,58 @@
                 <a:ea typeface="Agave"/>
                 <a:cs typeface="Agave"/>
               </a:rPr>
-              <a:t>with wholesome foods that are inexpensive.</a:t>
-            </a:r>
-            <a:endParaRPr lang="en-US" sz="2400" b="0" i="0" u="none" strike="noStrike" cap="none" spc="0">
-              <a:solidFill>
-                <a:schemeClr val="bg1"/>
-              </a:solidFill>
-              <a:latin typeface="Agave"/>
-              <a:ea typeface="Agave"/>
-              <a:cs typeface="Agave"/>
-            </a:endParaRPr>
-          </a:p>
-          <a:p>
-            <a:pPr>
-              <a:defRPr/>
-            </a:pPr>
+              <a:t>. With nuts may be combined grains, fruits, and </a:t>
+            </a:r>
+            <a:r>
+              <a:rPr lang="en-US" sz="2400" b="0" i="0" u="none" strike="noStrike" cap="none" spc="0">
+                <a:solidFill>
+                  <a:schemeClr val="bg1"/>
+                </a:solidFill>
+                <a:latin typeface="Agave"/>
+                <a:ea typeface="Agave"/>
+                <a:cs typeface="Agave"/>
+              </a:rPr>
+              <a:t>some roots, to make foods that are healthful and nourishing</a:t>
+            </a:r>
+            <a:r>
+              <a:rPr lang="en-US" sz="2400" b="0" i="0" u="none" strike="noStrike" cap="none" spc="0">
+                <a:solidFill>
+                  <a:schemeClr val="bg1"/>
+                </a:solidFill>
+                <a:latin typeface="Agave"/>
+                <a:ea typeface="Agave"/>
+                <a:cs typeface="Agave"/>
+              </a:rPr>
+              <a:t>. </a:t>
+            </a:r>
+            <a:r>
+              <a:rPr lang="en-US" sz="2400" b="0" i="0" u="none" strike="noStrike" cap="none" spc="0">
+                <a:solidFill>
+                  <a:schemeClr val="bg1"/>
+                </a:solidFill>
+                <a:latin typeface="Agave"/>
+                <a:ea typeface="Agave"/>
+                <a:cs typeface="Agave"/>
+              </a:rPr>
+              <a:t>—The Ministry </a:t>
+            </a:r>
+            <a:r>
+              <a:rPr lang="en-US" sz="2400" b="0" i="0" u="none" strike="noStrike" cap="none" spc="0">
+                <a:solidFill>
+                  <a:schemeClr val="bg1"/>
+                </a:solidFill>
+                <a:latin typeface="Agave"/>
+                <a:ea typeface="Agave"/>
+                <a:cs typeface="Agave"/>
+              </a:rPr>
+              <a:t>of Healing, 297, 298, 1905</a:t>
+            </a:r>
             <a:endParaRPr lang="en-US" sz="2400" b="0" i="0" u="none" strike="noStrike" cap="none" spc="0">
               <a:solidFill>
                 <a:schemeClr val="bg1"/>
               </a:solidFill>
               <a:latin typeface="Agave"/>
               <a:cs typeface="Agave"/>
-            </a:endParaRPr>
-          </a:p>
-          <a:p>
-            <a:pPr>
-              <a:defRPr/>
-            </a:pPr>
-            <a:r>
-              <a:rPr lang="en-US" sz="2400" b="0" i="0" u="none" strike="noStrike" cap="none" spc="0">
-                <a:solidFill>
-                  <a:schemeClr val="bg1"/>
-                </a:solidFill>
-                <a:latin typeface="Agave"/>
-                <a:ea typeface="Agave"/>
-                <a:cs typeface="Agave"/>
-              </a:rPr>
-              <a:t>[Counsels on Food and Diet, Ellen G. White]</a:t>
-            </a:r>
-            <a:endParaRPr sz="2400" b="0" i="0" u="none" strike="noStrike" cap="none" spc="0">
-              <a:solidFill>
-                <a:schemeClr val="bg1"/>
-              </a:solidFill>
-              <a:latin typeface="Agave"/>
-              <a:cs typeface="Agave"/>
-            </a:endParaRPr>
-          </a:p>
-        </p:txBody>
-      </p:sp>
-      <p:sp>
-        <p:nvSpPr>
-          <p:cNvPr id="1796836396" name="TextBox 6"/>
-          <p:cNvSpPr txBox="1"/>
-          <p:nvPr/>
-        </p:nvSpPr>
-        <p:spPr bwMode="auto">
-          <a:xfrm rot="0" flipH="0" flipV="0">
-            <a:off x="-291597" y="163462"/>
-            <a:ext cx="11005042" cy="782552"/>
-          </a:xfrm>
-          <a:prstGeom prst="rect">
-            <a:avLst/>
-          </a:prstGeom>
-        </p:spPr>
-        <p:txBody>
-          <a:bodyPr lIns="0" tIns="0" rIns="0" bIns="0" rtlCol="0" anchor="t">
-            <a:spAutoFit/>
-          </a:bodyPr>
-          <a:lstStyle/>
-          <a:p>
-            <a:pPr algn="ctr">
-              <a:lnSpc>
-                <a:spcPts val="6158"/>
-              </a:lnSpc>
-              <a:defRPr/>
-            </a:pPr>
-            <a:r>
-              <a:rPr lang="en-US" sz="2800" b="0">
-                <a:solidFill>
-                  <a:schemeClr val="bg1"/>
-                </a:solidFill>
-                <a:latin typeface="Agave"/>
-                <a:ea typeface="Agave"/>
-                <a:cs typeface="Agave"/>
-              </a:rPr>
-              <a:t>Plant Protein, </a:t>
-            </a:r>
-            <a:r>
-              <a:rPr lang="en-US" sz="2800" b="0">
-                <a:solidFill>
-                  <a:schemeClr val="bg1"/>
-                </a:solidFill>
-                <a:latin typeface="Agave"/>
-                <a:ea typeface="Agave"/>
-                <a:cs typeface="Agave"/>
-              </a:rPr>
-              <a:t>Meat and Cardiovascular Disease (CVD)</a:t>
-            </a:r>
-            <a:endParaRPr sz="2800" b="0">
-              <a:solidFill>
-                <a:schemeClr val="bg1"/>
-              </a:solidFill>
-              <a:latin typeface="Tinos"/>
-              <a:cs typeface="Tinos"/>
             </a:endParaRPr>
           </a:p>
         </p:txBody>
@@ -6109,14 +6110,14 @@
       </p:sp>
       <p:sp>
         <p:nvSpPr>
-          <p:cNvPr id="1733689248" name="TextBox 6"/>
+          <p:cNvPr id="1270383714" name="TextBox 6"/>
           <p:cNvSpPr txBox="1"/>
           <p:nvPr/>
         </p:nvSpPr>
         <p:spPr bwMode="auto">
           <a:xfrm rot="0" flipH="0" flipV="0">
-            <a:off x="581143" y="9443439"/>
-            <a:ext cx="3416899" cy="782552"/>
+            <a:off x="8768151" y="9279214"/>
+            <a:ext cx="1262859" cy="782552"/>
           </a:xfrm>
           <a:prstGeom prst="rect">
             <a:avLst/>
@@ -6143,9 +6144,170 @@
                 <a:ea typeface="Agave"/>
                 <a:cs typeface="Agave"/>
               </a:rPr>
-              <a:t>Health and Happiness</a:t>
+              <a:t>3/3</a:t>
             </a:r>
             <a:endParaRPr sz="2600" b="0">
+              <a:solidFill>
+                <a:schemeClr val="bg1"/>
+              </a:solidFill>
+              <a:latin typeface="Tinos"/>
+              <a:cs typeface="Tinos"/>
+            </a:endParaRPr>
+          </a:p>
+        </p:txBody>
+      </p:sp>
+      <p:sp>
+        <p:nvSpPr>
+          <p:cNvPr id="2123882470" name=""/>
+          <p:cNvSpPr/>
+          <p:nvPr/>
+        </p:nvSpPr>
+        <p:spPr bwMode="auto">
+          <a:xfrm flipH="0" flipV="0">
+            <a:off x="25440" y="0"/>
+            <a:ext cx="10247584" cy="10286998"/>
+          </a:xfrm>
+          <a:prstGeom prst="rect">
+            <a:avLst/>
+          </a:prstGeom>
+          <a:noFill/>
+          <a:ln w="57150" cap="flat" cmpd="sng" algn="ctr">
+            <a:solidFill>
+              <a:schemeClr val="bg1"/>
+            </a:solidFill>
+            <a:prstDash val="solid"/>
+          </a:ln>
+        </p:spPr>
+        <p:style>
+          <a:lnRef idx="2">
+            <a:schemeClr val="accent1">
+              <a:shade val="50000"/>
+            </a:schemeClr>
+          </a:lnRef>
+          <a:fillRef idx="1">
+            <a:schemeClr val="accent1"/>
+          </a:fillRef>
+          <a:effectRef idx="0">
+            <a:schemeClr val="accent1"/>
+          </a:effectRef>
+          <a:fontRef idx="minor">
+            <a:schemeClr val="lt1"/>
+          </a:fontRef>
+        </p:style>
+        <p:txBody>
+          <a:bodyPr/>
+          <a:p>
+            <a:pPr>
+              <a:defRPr/>
+            </a:pPr>
+            <a:endParaRPr/>
+          </a:p>
+        </p:txBody>
+      </p:sp>
+      <p:sp>
+        <p:nvSpPr>
+          <p:cNvPr id="1706019292" name="TextBox 6"/>
+          <p:cNvSpPr txBox="1"/>
+          <p:nvPr/>
+        </p:nvSpPr>
+        <p:spPr bwMode="auto">
+          <a:xfrm rot="0" flipH="0" flipV="0">
+            <a:off x="501507" y="9279211"/>
+            <a:ext cx="4009946" cy="1056618"/>
+          </a:xfrm>
+          <a:prstGeom prst="rect">
+            <a:avLst/>
+          </a:prstGeom>
+        </p:spPr>
+        <p:txBody>
+          <a:bodyPr lIns="0" tIns="0" rIns="0" bIns="0" rtlCol="0" anchor="t">
+            <a:spAutoFit/>
+          </a:bodyPr>
+          <a:lstStyle/>
+          <a:p>
+            <a:pPr algn="ctr">
+              <a:lnSpc>
+                <a:spcPts val="6156"/>
+              </a:lnSpc>
+              <a:defRPr/>
+            </a:pPr>
+            <a:r>
+              <a:rPr lang="en-US" sz="2600" b="0" i="0" u="none" strike="noStrike" cap="none" spc="0">
+                <a:solidFill>
+                  <a:schemeClr val="bg1"/>
+                </a:solidFill>
+                <a:latin typeface="Agave"/>
+                <a:ea typeface="Agave"/>
+                <a:cs typeface="Agave"/>
+              </a:rPr>
+              <a:t>Counsels on Lifestyle</a:t>
+            </a:r>
+            <a:endParaRPr sz="2600" b="0">
+              <a:solidFill>
+                <a:schemeClr val="bg1"/>
+              </a:solidFill>
+              <a:latin typeface="Tinos"/>
+              <a:cs typeface="Tinos"/>
+            </a:endParaRPr>
+          </a:p>
+          <a:p>
+            <a:pPr>
+              <a:defRPr/>
+            </a:pPr>
+            <a:endParaRPr/>
+          </a:p>
+        </p:txBody>
+      </p:sp>
+      <p:sp>
+        <p:nvSpPr>
+          <p:cNvPr id="594252314" name="TextBox 6"/>
+          <p:cNvSpPr txBox="1"/>
+          <p:nvPr/>
+        </p:nvSpPr>
+        <p:spPr bwMode="auto">
+          <a:xfrm rot="0" flipH="0" flipV="0">
+            <a:off x="-291594" y="163460"/>
+            <a:ext cx="11011159" cy="782425"/>
+          </a:xfrm>
+          <a:prstGeom prst="rect">
+            <a:avLst/>
+          </a:prstGeom>
+        </p:spPr>
+        <p:txBody>
+          <a:bodyPr lIns="0" tIns="0" rIns="0" bIns="0" rtlCol="0" anchor="t">
+            <a:spAutoFit/>
+          </a:bodyPr>
+          <a:lstStyle/>
+          <a:p>
+            <a:pPr algn="ctr">
+              <a:lnSpc>
+                <a:spcPts val="6157"/>
+              </a:lnSpc>
+              <a:defRPr/>
+            </a:pPr>
+            <a:r>
+              <a:rPr lang="en-US" sz="2800" b="0">
+                <a:solidFill>
+                  <a:schemeClr val="bg1"/>
+                </a:solidFill>
+                <a:latin typeface="Agave"/>
+                <a:ea typeface="Agave"/>
+                <a:cs typeface="Agave"/>
+              </a:rPr>
+              <a:t>Nuts, Seeds, </a:t>
+            </a:r>
+            <a:r>
+              <a:rPr lang="en-US" sz="2800" b="0">
+                <a:solidFill>
+                  <a:schemeClr val="bg1"/>
+                </a:solidFill>
+                <a:latin typeface="Agave"/>
+                <a:ea typeface="Agave"/>
+                <a:cs typeface="Agave"/>
+              </a:rPr>
+              <a:t>Meat and Cardiovascular Disease (CVD)</a:t>
+            </a:r>
+            <a:endParaRPr sz="2800" b="0">
               <a:solidFill>
                 <a:schemeClr val="bg1"/>
               </a:solidFill>

--- a/posts/3/slides.pptx
+++ b/posts/3/slides.pptx
@@ -5678,8 +5678,8 @@
         </p:nvSpPr>
         <p:spPr bwMode="auto">
           <a:xfrm flipH="0" flipV="0">
-            <a:off x="1004100" y="1869804"/>
-            <a:ext cx="8310391" cy="7041239"/>
+            <a:off x="1004099" y="1869804"/>
+            <a:ext cx="8314710" cy="7041239"/>
           </a:xfrm>
           <a:prstGeom prst="rect">
             <a:avLst/>
@@ -5695,6 +5695,17 @@
               <a:defRPr/>
             </a:pPr>
             <a:r>
+              <a:rPr lang="en-US" sz="2400" b="0" i="1" u="none" strike="noStrike" cap="none" spc="0">
+                <a:solidFill>
+                  <a:srgbClr val="EB6F92"/>
+                </a:solidFill>
+                <a:latin typeface="Agave"/>
+                <a:ea typeface="Agave"/>
+                <a:cs typeface="Agave"/>
+              </a:rPr>
+              <a:t>Gen 1:29</a:t>
+            </a:r>
+            <a:r>
               <a:rPr lang="en-US" sz="2400" b="0" i="0" u="none" strike="noStrike" cap="none" spc="0">
                 <a:solidFill>
                   <a:schemeClr val="bg1"/>
@@ -5703,7 +5714,7 @@
                 <a:ea typeface="Agave"/>
                 <a:cs typeface="Agave"/>
               </a:rPr>
-              <a:t>Gen 1:29 </a:t>
+              <a:t> </a:t>
             </a:r>
             <a:r>
               <a:rPr lang="en-US" sz="2400" b="0" i="0" u="none" strike="noStrike" cap="none" spc="0">
@@ -5828,11 +5839,44 @@
                 <a:ea typeface="Agave"/>
                 <a:cs typeface="Agave"/>
               </a:rPr>
-              <a:t> are largely caused by meat eating.—Pacific Union Recorder,</a:t>
-            </a:r>
-            <a:endParaRPr sz="2400" b="0" i="0" u="none" strike="noStrike" cap="none" spc="0">
+              <a:t> are </a:t>
+            </a:r>
+            <a:r>
+              <a:rPr lang="en-US" sz="2400" b="0" i="0" u="none" strike="noStrike" cap="none" spc="0">
+                <a:solidFill>
+                  <a:srgbClr val="FFC000"/>
+                </a:solidFill>
+                <a:latin typeface="Agave"/>
+                <a:ea typeface="Agave"/>
+                <a:cs typeface="Agave"/>
+              </a:rPr>
+              <a:t>largely caused by meat eating</a:t>
+            </a:r>
+            <a:r>
+              <a:rPr lang="en-US" sz="2400" b="0" i="0" u="none" strike="noStrike" cap="none" spc="0">
+                <a:solidFill>
+                  <a:schemeClr val="bg1"/>
+                </a:solidFill>
+                <a:latin typeface="Agave"/>
+                <a:ea typeface="Agave"/>
+                <a:cs typeface="Agave"/>
+              </a:rPr>
+              <a:t>.</a:t>
+            </a:r>
+            <a:r>
+              <a:rPr lang="en-US" sz="2400" b="0" i="1" u="none" strike="noStrike" cap="none" spc="0">
+                <a:solidFill>
+                  <a:srgbClr val="EB6F92"/>
+                </a:solidFill>
+                <a:latin typeface="Agave"/>
+                <a:ea typeface="Agave"/>
+                <a:cs typeface="Agave"/>
+              </a:rPr>
+              <a:t>—Pacific Union Recorder,</a:t>
+            </a:r>
+            <a:endParaRPr sz="2400" b="0" i="1" u="none" strike="noStrike" cap="none" spc="0">
               <a:solidFill>
-                <a:schemeClr val="bg1"/>
+                <a:srgbClr val="EB6F92"/>
               </a:solidFill>
               <a:latin typeface="Agave"/>
               <a:cs typeface="Agave"/>
@@ -5843,9 +5887,9 @@
               <a:defRPr/>
             </a:pPr>
             <a:r>
-              <a:rPr lang="en-US" sz="2400" b="0" i="0" u="none" strike="noStrike" cap="none" spc="0">
-                <a:solidFill>
-                  <a:schemeClr val="bg1"/>
+              <a:rPr lang="en-US" sz="2400" b="0" i="1" u="none" strike="noStrike" cap="none" spc="0">
+                <a:solidFill>
+                  <a:srgbClr val="EB6F92"/>
                 </a:solidFill>
                 <a:latin typeface="Agave"/>
                 <a:ea typeface="Agave"/>
@@ -5931,18 +5975,51 @@
                 <a:ea typeface="Agave"/>
                 <a:cs typeface="Agave"/>
               </a:rPr>
-              <a:t>simplicity of mind, He will teach us how to prepare wholesome food </a:t>
+              <a:t>simplicity of mind, </a:t>
             </a:r>
             <a:r>
               <a:rPr lang="en-US" sz="2400" b="0" i="0" u="none" strike="noStrike" cap="none" spc="0">
                 <a:solidFill>
+                  <a:srgbClr val="00B0F0"/>
+                </a:solidFill>
+                <a:latin typeface="Agave"/>
+                <a:ea typeface="Agave"/>
+                <a:cs typeface="Agave"/>
+              </a:rPr>
+              <a:t>He will teach us how to prepare wholesome food</a:t>
+            </a:r>
+            <a:r>
+              <a:rPr lang="en-US" sz="2400" b="0" i="0" u="none" strike="noStrike" cap="none" spc="0">
+                <a:solidFill>
                   <a:schemeClr val="bg1"/>
                 </a:solidFill>
                 <a:latin typeface="Agave"/>
                 <a:ea typeface="Agave"/>
                 <a:cs typeface="Agave"/>
               </a:rPr>
-              <a:t>free from the taint of flesh meat.—Manuscript 27, 1906</a:t>
+              <a:t> </a:t>
+            </a:r>
+            <a:r>
+              <a:rPr lang="en-US" sz="2400" b="0" i="0" u="none" strike="noStrike" cap="none" spc="0">
+                <a:solidFill>
+                  <a:schemeClr val="bg1"/>
+                </a:solidFill>
+                <a:latin typeface="Agave"/>
+                <a:ea typeface="Agave"/>
+                <a:cs typeface="Agave"/>
+              </a:rPr>
+              <a:t>free from the taint of flesh meat.</a:t>
+            </a:r>
+            <a:r>
+              <a:rPr lang="en-US" sz="2400" b="0" i="1" u="none" strike="noStrike" cap="none" spc="0">
+                <a:solidFill>
+                  <a:srgbClr val="EB6F92"/>
+                </a:solidFill>
+                <a:latin typeface="Agave"/>
+                <a:ea typeface="Agave"/>
+                <a:cs typeface="Agave"/>
+              </a:rPr>
+              <a:t>—Manuscript 27, 1906</a:t>
             </a:r>
             <a:endParaRPr lang="en-US" sz="2400" b="0" i="0" u="none" strike="noStrike" cap="none" spc="0">
               <a:solidFill>
@@ -6011,11 +6088,44 @@
                 <a:ea typeface="Agave"/>
                 <a:cs typeface="Agave"/>
               </a:rPr>
-              <a:t>some roots, to make foods that are healthful and nourishing</a:t>
+              <a:t>some roots, to </a:t>
             </a:r>
             <a:r>
               <a:rPr lang="en-US" sz="2400" b="0" i="0" u="none" strike="noStrike" cap="none" spc="0">
                 <a:solidFill>
+                  <a:srgbClr val="00B0F0"/>
+                </a:solidFill>
+                <a:latin typeface="Agave"/>
+                <a:ea typeface="Agave"/>
+                <a:cs typeface="Agave"/>
+              </a:rPr>
+              <a:t>make foods that are </a:t>
+            </a:r>
+            <a:r>
+              <a:rPr lang="en-US" sz="2400" b="0" i="0" u="none" strike="noStrike" cap="none" spc="0">
+                <a:solidFill>
+                  <a:srgbClr val="00B0F0"/>
+                </a:solidFill>
+                <a:latin typeface="Agave"/>
+                <a:ea typeface="Agave"/>
+                <a:cs typeface="Agave"/>
+              </a:rPr>
+              <a:t>healthful and nourishin</a:t>
+            </a:r>
+            <a:r>
+              <a:rPr lang="en-US" sz="2400" b="0" i="0" u="none" strike="noStrike" cap="none" spc="0">
+                <a:solidFill>
+                  <a:srgbClr val="00B0F0"/>
+                </a:solidFill>
+                <a:latin typeface="Agave"/>
+                <a:ea typeface="Agave"/>
+                <a:cs typeface="Agave"/>
+              </a:rPr>
+              <a:t>g</a:t>
+            </a:r>
+            <a:r>
+              <a:rPr lang="en-US" sz="2400" b="0" i="0" u="none" strike="noStrike" cap="none" spc="0">
+                <a:solidFill>
                   <a:schemeClr val="bg1"/>
                 </a:solidFill>
                 <a:latin typeface="Agave"/>
@@ -6025,9 +6135,9 @@
               <a:t>. </a:t>
             </a:r>
             <a:r>
-              <a:rPr lang="en-US" sz="2400" b="0" i="0" u="none" strike="noStrike" cap="none" spc="0">
-                <a:solidFill>
-                  <a:schemeClr val="bg1"/>
+              <a:rPr lang="en-US" sz="2400" b="0" i="1" u="none" strike="noStrike" cap="none" spc="0">
+                <a:solidFill>
+                  <a:srgbClr val="EB6F92"/>
                 </a:solidFill>
                 <a:latin typeface="Agave"/>
                 <a:ea typeface="Agave"/>
@@ -6036,9 +6146,9 @@
               <a:t>—The Ministry </a:t>
             </a:r>
             <a:r>
-              <a:rPr lang="en-US" sz="2400" b="0" i="0" u="none" strike="noStrike" cap="none" spc="0">
-                <a:solidFill>
-                  <a:schemeClr val="bg1"/>
+              <a:rPr lang="en-US" sz="2400" b="0" i="1" u="none" strike="noStrike" cap="none" spc="0">
+                <a:solidFill>
+                  <a:srgbClr val="EB6F92"/>
                 </a:solidFill>
                 <a:latin typeface="Agave"/>
                 <a:ea typeface="Agave"/>

--- a/posts/3/slides.pptx
+++ b/posts/3/slides.pptx
@@ -3883,10 +3883,9 @@
     <p:bg>
       <p:bgPr shadeToTitle="0">
         <a:solidFill>
-          <a:schemeClr val="accent4">
-            <a:lumMod val="50000"/>
+          <a:srgbClr val="26233A">
             <a:alpha val="99999"/>
-          </a:schemeClr>
+          </a:srgbClr>
         </a:solidFill>
       </p:bgPr>
     </p:bg>
@@ -3904,47 +3903,6 @@
           <a:chExt cx="0" cy="0"/>
         </a:xfrm>
       </p:grpSpPr>
-      <p:sp>
-        <p:nvSpPr>
-          <p:cNvPr id="1211603716" name=""/>
-          <p:cNvSpPr/>
-          <p:nvPr/>
-        </p:nvSpPr>
-        <p:spPr bwMode="auto">
-          <a:xfrm flipH="0" flipV="0">
-            <a:off x="581146" y="1619248"/>
-            <a:ext cx="9081799" cy="7938594"/>
-          </a:xfrm>
-          <a:prstGeom prst="roundRect">
-            <a:avLst>
-              <a:gd name="adj" fmla="val 3765"/>
-            </a:avLst>
-          </a:prstGeom>
-          <a:solidFill>
-            <a:srgbClr val="232136"/>
-          </a:solidFill>
-          <a:ln w="28575" cap="flat" cmpd="sng" algn="ctr">
-            <a:noFill/>
-            <a:prstDash val="solid"/>
-          </a:ln>
-        </p:spPr>
-        <p:style>
-          <a:lnRef idx="2">
-            <a:schemeClr val="accent1">
-              <a:shade val="50000"/>
-            </a:schemeClr>
-          </a:lnRef>
-          <a:fillRef idx="1">
-            <a:schemeClr val="accent1"/>
-          </a:fillRef>
-          <a:effectRef idx="0">
-            <a:schemeClr val="accent1"/>
-          </a:effectRef>
-          <a:fontRef idx="minor">
-            <a:schemeClr val="lt1"/>
-          </a:fontRef>
-        </p:style>
-      </p:sp>
       <p:pic>
         <p:nvPicPr>
           <p:cNvPr id="1181590362" name=""/>
@@ -4032,8 +3990,8 @@
         </p:nvSpPr>
         <p:spPr bwMode="auto">
           <a:xfrm flipH="0" flipV="0">
-            <a:off x="4927653" y="3343629"/>
-            <a:ext cx="3840498" cy="1554840"/>
+            <a:off x="4927653" y="3343628"/>
+            <a:ext cx="3878658" cy="1189079"/>
           </a:xfrm>
           <a:prstGeom prst="rect">
             <a:avLst/>
@@ -4057,7 +4015,7 @@
                 <a:ea typeface="Agave"/>
                 <a:cs typeface="Agave"/>
               </a:rPr>
-              <a:t>average risk of cardio-vascular disease </a:t>
+              <a:t>risk of cardio-vascular disease </a:t>
             </a:r>
             <a:r>
               <a:rPr sz="2400">
@@ -4068,7 +4026,7 @@
                 <a:ea typeface="Agave"/>
                 <a:cs typeface="Agave"/>
               </a:rPr>
-              <a:t>for a person who takes 1 serving per day of meat</a:t>
+              <a:t>when eating 1 serving of meat per day</a:t>
             </a:r>
             <a:endParaRPr sz="2400">
               <a:solidFill>
@@ -4320,151 +4278,7 @@
         </p:nvSpPr>
         <p:spPr bwMode="auto">
           <a:xfrm flipH="0" flipV="0">
-            <a:off x="2247250" y="8267337"/>
-            <a:ext cx="2159458" cy="457559"/>
-          </a:xfrm>
-          <a:prstGeom prst="rect">
-            <a:avLst/>
-          </a:prstGeom>
-          <a:noFill/>
-        </p:spPr>
-        <p:txBody>
-          <a:bodyPr vertOverflow="overflow" horzOverflow="overflow" vert="horz" wrap="square" lIns="91440" tIns="45720" rIns="91440" bIns="45720" numCol="1" spcCol="0" rtlCol="0" fromWordArt="0" anchor="t" anchorCtr="0" forceAA="0" upright="0" compatLnSpc="0">
-            <a:spAutoFit/>
-          </a:bodyPr>
-          <a:p>
-            <a:pPr>
-              <a:defRPr/>
-            </a:pPr>
-            <a:r>
-              <a:rPr sz="2400">
-                <a:solidFill>
-                  <a:schemeClr val="bg1">
-                    <a:lumMod val="75000"/>
-                  </a:schemeClr>
-                </a:solidFill>
-                <a:latin typeface="Agave"/>
-                <a:cs typeface="Agave"/>
-              </a:rPr>
-              <a:t>0.8</a:t>
-            </a:r>
-            <a:endParaRPr sz="2400">
-              <a:solidFill>
-                <a:schemeClr val="bg1">
-                  <a:lumMod val="75000"/>
-                </a:schemeClr>
-              </a:solidFill>
-              <a:latin typeface="Agave"/>
-              <a:cs typeface="Agave"/>
-            </a:endParaRPr>
-          </a:p>
-        </p:txBody>
-      </p:sp>
-      <p:sp>
-        <p:nvSpPr>
-          <p:cNvPr id="640765977" name="TextBox 6"/>
-          <p:cNvSpPr txBox="1"/>
-          <p:nvPr/>
-        </p:nvSpPr>
-        <p:spPr bwMode="auto">
-          <a:xfrm rot="0" flipH="0" flipV="0">
-            <a:off x="8768151" y="9279215"/>
-            <a:ext cx="1261780" cy="782552"/>
-          </a:xfrm>
-          <a:prstGeom prst="rect">
-            <a:avLst/>
-          </a:prstGeom>
-        </p:spPr>
-        <p:txBody>
-          <a:bodyPr lIns="0" tIns="0" rIns="0" bIns="0" rtlCol="0" anchor="t">
-            <a:spAutoFit/>
-          </a:bodyPr>
-          <a:lstStyle/>
-          <a:p>
-            <a:pPr algn="ctr">
-              <a:lnSpc>
-                <a:spcPts val="6159"/>
-              </a:lnSpc>
-              <a:defRPr/>
-            </a:pPr>
-            <a:r>
-              <a:rPr lang="en-US" sz="2600" b="0">
-                <a:solidFill>
-                  <a:schemeClr val="bg1"/>
-                </a:solidFill>
-                <a:latin typeface="Agave"/>
-                <a:ea typeface="Agave"/>
-                <a:cs typeface="Agave"/>
-              </a:rPr>
-              <a:t>1/3</a:t>
-            </a:r>
-            <a:endParaRPr sz="2600" b="0">
-              <a:solidFill>
-                <a:schemeClr val="bg1"/>
-              </a:solidFill>
-              <a:latin typeface="Tinos"/>
-              <a:cs typeface="Tinos"/>
-            </a:endParaRPr>
-          </a:p>
-        </p:txBody>
-      </p:sp>
-      <p:sp>
-        <p:nvSpPr>
-          <p:cNvPr id="2076267767" name=""/>
-          <p:cNvSpPr txBox="1"/>
-          <p:nvPr/>
-        </p:nvSpPr>
-        <p:spPr bwMode="auto">
-          <a:xfrm flipH="0" flipV="0">
-            <a:off x="837632" y="8267337"/>
-            <a:ext cx="2160537" cy="457559"/>
-          </a:xfrm>
-          <a:prstGeom prst="rect">
-            <a:avLst/>
-          </a:prstGeom>
-          <a:noFill/>
-        </p:spPr>
-        <p:txBody>
-          <a:bodyPr vertOverflow="overflow" horzOverflow="overflow" vert="horz" wrap="square" lIns="91440" tIns="45720" rIns="91440" bIns="45720" numCol="1" spcCol="0" rtlCol="0" fromWordArt="0" anchor="t" anchorCtr="0" forceAA="0" upright="0" compatLnSpc="0">
-            <a:spAutoFit/>
-          </a:bodyPr>
-          <a:p>
-            <a:pPr>
-              <a:defRPr/>
-            </a:pPr>
-            <a:r>
-              <a:rPr sz="2400">
-                <a:solidFill>
-                  <a:schemeClr val="bg1">
-                    <a:lumMod val="75000"/>
-                  </a:schemeClr>
-                </a:solidFill>
-                <a:latin typeface="Agave"/>
-                <a:cs typeface="Agave"/>
-              </a:rPr>
-              <a:t>0.6</a:t>
-            </a:r>
-            <a:endParaRPr sz="2400">
-              <a:solidFill>
-                <a:schemeClr val="bg1">
-                  <a:lumMod val="75000"/>
-                </a:schemeClr>
-              </a:solidFill>
-              <a:latin typeface="Agave"/>
-              <a:cs typeface="Agave"/>
-            </a:endParaRPr>
-          </a:p>
-        </p:txBody>
-      </p:sp>
-      <p:sp>
-        <p:nvSpPr>
-          <p:cNvPr id="1368403755" name=""/>
-          <p:cNvSpPr txBox="1"/>
-          <p:nvPr/>
-        </p:nvSpPr>
-        <p:spPr bwMode="auto">
-          <a:xfrm flipH="0" flipV="0">
-            <a:off x="3752249" y="8255512"/>
+            <a:off x="2247249" y="8267337"/>
             <a:ext cx="2159817" cy="457559"/>
           </a:xfrm>
           <a:prstGeom prst="rect">
@@ -4483,20 +4297,16 @@
             <a:r>
               <a:rPr sz="2400">
                 <a:solidFill>
-                  <a:schemeClr val="bg1">
-                    <a:lumMod val="75000"/>
-                  </a:schemeClr>
+                  <a:schemeClr val="bg1"/>
                 </a:solidFill>
                 <a:latin typeface="Agave"/>
                 <a:cs typeface="Agave"/>
               </a:rPr>
-              <a:t>1.0</a:t>
+              <a:t>0.8</a:t>
             </a:r>
             <a:endParaRPr sz="2400">
               <a:solidFill>
-                <a:schemeClr val="bg1">
-                  <a:lumMod val="75000"/>
-                </a:schemeClr>
+                <a:schemeClr val="bg1"/>
               </a:solidFill>
               <a:latin typeface="Agave"/>
               <a:cs typeface="Agave"/>
@@ -4506,14 +4316,14 @@
       </p:sp>
       <p:sp>
         <p:nvSpPr>
-          <p:cNvPr id="1225269992" name=""/>
+          <p:cNvPr id="2076267767" name=""/>
           <p:cNvSpPr txBox="1"/>
           <p:nvPr/>
         </p:nvSpPr>
         <p:spPr bwMode="auto">
           <a:xfrm flipH="0" flipV="0">
-            <a:off x="5218440" y="8243687"/>
-            <a:ext cx="2160177" cy="457559"/>
+            <a:off x="837631" y="8267337"/>
+            <a:ext cx="2160896" cy="457559"/>
           </a:xfrm>
           <a:prstGeom prst="rect">
             <a:avLst/>
@@ -4531,20 +4341,16 @@
             <a:r>
               <a:rPr sz="2400">
                 <a:solidFill>
-                  <a:schemeClr val="bg1">
-                    <a:lumMod val="75000"/>
-                  </a:schemeClr>
+                  <a:schemeClr val="bg1"/>
                 </a:solidFill>
                 <a:latin typeface="Agave"/>
                 <a:cs typeface="Agave"/>
               </a:rPr>
-              <a:t>1.2</a:t>
+              <a:t>0.6</a:t>
             </a:r>
             <a:endParaRPr sz="2400">
               <a:solidFill>
-                <a:schemeClr val="bg1">
-                  <a:lumMod val="75000"/>
-                </a:schemeClr>
+                <a:schemeClr val="bg1"/>
               </a:solidFill>
               <a:latin typeface="Agave"/>
               <a:cs typeface="Agave"/>
@@ -4554,14 +4360,14 @@
       </p:sp>
       <p:sp>
         <p:nvSpPr>
-          <p:cNvPr id="1203648232" name=""/>
+          <p:cNvPr id="1368403755" name=""/>
           <p:cNvSpPr txBox="1"/>
           <p:nvPr/>
         </p:nvSpPr>
         <p:spPr bwMode="auto">
           <a:xfrm flipH="0" flipV="0">
-            <a:off x="6684633" y="8231863"/>
-            <a:ext cx="2162336" cy="457559"/>
+            <a:off x="3752248" y="8255511"/>
+            <a:ext cx="2160176" cy="457559"/>
           </a:xfrm>
           <a:prstGeom prst="rect">
             <a:avLst/>
@@ -4579,20 +4385,16 @@
             <a:r>
               <a:rPr sz="2400">
                 <a:solidFill>
-                  <a:schemeClr val="bg1">
-                    <a:lumMod val="75000"/>
-                  </a:schemeClr>
+                  <a:schemeClr val="bg1"/>
                 </a:solidFill>
                 <a:latin typeface="Agave"/>
                 <a:cs typeface="Agave"/>
               </a:rPr>
-              <a:t>1.4</a:t>
+              <a:t>1.0</a:t>
             </a:r>
             <a:endParaRPr sz="2400">
               <a:solidFill>
-                <a:schemeClr val="bg1">
-                  <a:lumMod val="75000"/>
-                </a:schemeClr>
+                <a:schemeClr val="bg1"/>
               </a:solidFill>
               <a:latin typeface="Agave"/>
               <a:cs typeface="Agave"/>
@@ -4602,14 +4404,14 @@
       </p:sp>
       <p:sp>
         <p:nvSpPr>
-          <p:cNvPr id="107378537" name=""/>
+          <p:cNvPr id="1225269992" name=""/>
           <p:cNvSpPr txBox="1"/>
           <p:nvPr/>
         </p:nvSpPr>
         <p:spPr bwMode="auto">
           <a:xfrm flipH="0" flipV="0">
-            <a:off x="8150828" y="8220037"/>
-            <a:ext cx="2161976" cy="457559"/>
+            <a:off x="5218439" y="8243686"/>
+            <a:ext cx="2160536" cy="457559"/>
           </a:xfrm>
           <a:prstGeom prst="rect">
             <a:avLst/>
@@ -4627,9 +4429,95 @@
             <a:r>
               <a:rPr sz="2400">
                 <a:solidFill>
-                  <a:schemeClr val="bg1">
-                    <a:lumMod val="75000"/>
-                  </a:schemeClr>
+                  <a:schemeClr val="bg1"/>
+                </a:solidFill>
+                <a:latin typeface="Agave"/>
+                <a:cs typeface="Agave"/>
+              </a:rPr>
+              <a:t>1.2</a:t>
+            </a:r>
+            <a:endParaRPr sz="2400">
+              <a:solidFill>
+                <a:schemeClr val="bg1"/>
+              </a:solidFill>
+              <a:latin typeface="Agave"/>
+              <a:cs typeface="Agave"/>
+            </a:endParaRPr>
+          </a:p>
+        </p:txBody>
+      </p:sp>
+      <p:sp>
+        <p:nvSpPr>
+          <p:cNvPr id="1203648232" name=""/>
+          <p:cNvSpPr txBox="1"/>
+          <p:nvPr/>
+        </p:nvSpPr>
+        <p:spPr bwMode="auto">
+          <a:xfrm flipH="0" flipV="0">
+            <a:off x="6684633" y="8231862"/>
+            <a:ext cx="2162695" cy="457559"/>
+          </a:xfrm>
+          <a:prstGeom prst="rect">
+            <a:avLst/>
+          </a:prstGeom>
+          <a:noFill/>
+        </p:spPr>
+        <p:txBody>
+          <a:bodyPr vertOverflow="overflow" horzOverflow="overflow" vert="horz" wrap="square" lIns="91440" tIns="45720" rIns="91440" bIns="45720" numCol="1" spcCol="0" rtlCol="0" fromWordArt="0" anchor="t" anchorCtr="0" forceAA="0" upright="0" compatLnSpc="0">
+            <a:spAutoFit/>
+          </a:bodyPr>
+          <a:p>
+            <a:pPr>
+              <a:defRPr/>
+            </a:pPr>
+            <a:r>
+              <a:rPr sz="2400">
+                <a:solidFill>
+                  <a:schemeClr val="bg1"/>
+                </a:solidFill>
+                <a:latin typeface="Agave"/>
+                <a:cs typeface="Agave"/>
+              </a:rPr>
+              <a:t>1.4</a:t>
+            </a:r>
+            <a:endParaRPr sz="2400">
+              <a:solidFill>
+                <a:schemeClr val="bg1"/>
+              </a:solidFill>
+              <a:latin typeface="Agave"/>
+              <a:cs typeface="Agave"/>
+            </a:endParaRPr>
+          </a:p>
+        </p:txBody>
+      </p:sp>
+      <p:sp>
+        <p:nvSpPr>
+          <p:cNvPr id="107378537" name=""/>
+          <p:cNvSpPr txBox="1"/>
+          <p:nvPr/>
+        </p:nvSpPr>
+        <p:spPr bwMode="auto">
+          <a:xfrm flipH="0" flipV="0">
+            <a:off x="8150827" y="8220036"/>
+            <a:ext cx="2162335" cy="457559"/>
+          </a:xfrm>
+          <a:prstGeom prst="rect">
+            <a:avLst/>
+          </a:prstGeom>
+          <a:noFill/>
+        </p:spPr>
+        <p:txBody>
+          <a:bodyPr vertOverflow="overflow" horzOverflow="overflow" vert="horz" wrap="square" lIns="91440" tIns="45720" rIns="91440" bIns="45720" numCol="1" spcCol="0" rtlCol="0" fromWordArt="0" anchor="t" anchorCtr="0" forceAA="0" upright="0" compatLnSpc="0">
+            <a:spAutoFit/>
+          </a:bodyPr>
+          <a:p>
+            <a:pPr>
+              <a:defRPr/>
+            </a:pPr>
+            <a:r>
+              <a:rPr sz="2400">
+                <a:solidFill>
+                  <a:schemeClr val="bg1"/>
                 </a:solidFill>
                 <a:latin typeface="Agave"/>
                 <a:cs typeface="Agave"/>
@@ -4638,9 +4526,7 @@
             </a:r>
             <a:endParaRPr sz="2400">
               <a:solidFill>
-                <a:schemeClr val="bg1">
-                  <a:lumMod val="75000"/>
-                </a:schemeClr>
+                <a:schemeClr val="bg1"/>
               </a:solidFill>
               <a:latin typeface="Agave"/>
               <a:cs typeface="Agave"/>
@@ -4657,21 +4543,19 @@
           <p:nvPr/>
         </p:nvCxnSpPr>
         <p:spPr bwMode="auto">
-          <a:xfrm rot="10799952" flipH="1" flipV="0">
-            <a:off x="954006" y="8220703"/>
+          <a:xfrm rot="10799990" flipH="1" flipV="0">
+            <a:off x="928800" y="8222400"/>
             <a:ext cx="7947292" cy="33995"/>
           </a:xfrm>
           <a:prstGeom prst="line">
             <a:avLst/>
           </a:prstGeom>
-          <a:ln w="57150" cap="flat" cmpd="sng" algn="ctr">
+          <a:ln w="38099" cap="flat" cmpd="sng" algn="ctr">
             <a:solidFill>
-              <a:schemeClr val="bg1">
-                <a:lumMod val="74901"/>
-              </a:schemeClr>
+              <a:schemeClr val="bg1"/>
             </a:solidFill>
             <a:prstDash val="solid"/>
-            <a:tailEnd type="arrow" len="med"/>
+            <a:tailEnd type="oval" len="med"/>
           </a:ln>
         </p:spPr>
         <p:style>
@@ -4699,8 +4583,8 @@
         </p:nvSpPr>
         <p:spPr bwMode="auto">
           <a:xfrm flipH="0" flipV="0">
-            <a:off x="2484997" y="8794855"/>
-            <a:ext cx="4885667" cy="457559"/>
+            <a:off x="2484996" y="8794854"/>
+            <a:ext cx="4886026" cy="457559"/>
           </a:xfrm>
           <a:prstGeom prst="rect">
             <a:avLst/>
@@ -4718,9 +4602,7 @@
             <a:r>
               <a:rPr sz="2400" b="0">
                 <a:solidFill>
-                  <a:schemeClr val="bg1">
-                    <a:lumMod val="75000"/>
-                  </a:schemeClr>
+                  <a:schemeClr val="bg1"/>
                 </a:solidFill>
                 <a:latin typeface="Agave"/>
                 <a:ea typeface="Agave"/>
@@ -4730,9 +4612,7 @@
             </a:r>
             <a:endParaRPr sz="2400" b="0">
               <a:solidFill>
-                <a:schemeClr val="bg1">
-                  <a:lumMod val="75000"/>
-                </a:schemeClr>
+                <a:schemeClr val="bg1"/>
               </a:solidFill>
               <a:latin typeface="Agave"/>
               <a:cs typeface="Agave"/>
@@ -4742,14 +4622,14 @@
       </p:sp>
       <p:sp>
         <p:nvSpPr>
-          <p:cNvPr id="1865465620" name="TextBox 6"/>
+          <p:cNvPr id="607314422" name="TextBox 6"/>
           <p:cNvSpPr txBox="1"/>
           <p:nvPr/>
         </p:nvSpPr>
         <p:spPr bwMode="auto">
           <a:xfrm rot="0" flipH="0" flipV="0">
-            <a:off x="-80784" y="710787"/>
-            <a:ext cx="10586299" cy="782425"/>
+            <a:off x="529526" y="163459"/>
+            <a:ext cx="9426898" cy="1219559"/>
           </a:xfrm>
           <a:prstGeom prst="rect">
             <a:avLst/>
@@ -4761,135 +4641,24 @@
           </a:bodyPr>
           <a:lstStyle/>
           <a:p>
-            <a:pPr algn="ctr">
+            <a:pPr algn="l">
               <a:lnSpc>
-                <a:spcPts val="6157"/>
+                <a:spcPct val="100000"/>
               </a:lnSpc>
               <a:defRPr/>
             </a:pPr>
             <a:r>
-              <a:rPr lang="en-US" sz="2200" b="0">
-                <a:solidFill>
-                  <a:schemeClr val="bg1">
-                    <a:lumMod val="75000"/>
-                  </a:schemeClr>
+              <a:rPr lang="en-US" sz="4000" b="0">
+                <a:solidFill>
+                  <a:schemeClr val="bg1"/>
                 </a:solidFill>
                 <a:latin typeface="Agave"/>
                 <a:ea typeface="Agave"/>
                 <a:cs typeface="Agave"/>
               </a:rPr>
-              <a:t>Tharrey et al (2018). International Journal of Epidemiology, 47(5)</a:t>
-            </a:r>
-            <a:endParaRPr sz="2200" b="0">
-              <a:solidFill>
-                <a:schemeClr val="bg1">
-                  <a:lumMod val="75000"/>
-                </a:schemeClr>
-              </a:solidFill>
-              <a:latin typeface="Tinos"/>
-              <a:cs typeface="Tinos"/>
-            </a:endParaRPr>
-          </a:p>
-        </p:txBody>
-      </p:sp>
-      <p:sp>
-        <p:nvSpPr>
-          <p:cNvPr id="110133934" name="TextBox 6"/>
-          <p:cNvSpPr txBox="1"/>
-          <p:nvPr/>
-        </p:nvSpPr>
-        <p:spPr bwMode="auto">
-          <a:xfrm rot="0" flipH="0" flipV="0">
-            <a:off x="501507" y="9279211"/>
-            <a:ext cx="4016426" cy="782298"/>
-          </a:xfrm>
-          <a:prstGeom prst="rect">
-            <a:avLst/>
-          </a:prstGeom>
-        </p:spPr>
-        <p:txBody>
-          <a:bodyPr lIns="0" tIns="0" rIns="0" bIns="0" rtlCol="0" anchor="t">
-            <a:spAutoFit/>
-          </a:bodyPr>
-          <a:lstStyle/>
-          <a:p>
-            <a:pPr algn="ctr">
-              <a:lnSpc>
-                <a:spcPts val="6157"/>
-              </a:lnSpc>
-              <a:defRPr/>
-            </a:pPr>
-            <a:r>
-              <a:rPr lang="en-US" sz="2600" b="0">
-                <a:solidFill>
-                  <a:schemeClr val="bg1"/>
-                </a:solidFill>
-                <a:latin typeface="Agave"/>
-                <a:ea typeface="Agave"/>
-                <a:cs typeface="Agave"/>
-              </a:rPr>
-              <a:t>Counsels on Lifestyle</a:t>
-            </a:r>
-            <a:endParaRPr sz="2600" b="0">
-              <a:solidFill>
-                <a:schemeClr val="bg1"/>
-              </a:solidFill>
-              <a:latin typeface="Tinos"/>
-              <a:cs typeface="Tinos"/>
-            </a:endParaRPr>
-          </a:p>
-        </p:txBody>
-      </p:sp>
-      <p:sp>
-        <p:nvSpPr>
-          <p:cNvPr id="607314422" name="TextBox 6"/>
-          <p:cNvSpPr txBox="1"/>
-          <p:nvPr/>
-        </p:nvSpPr>
-        <p:spPr bwMode="auto">
-          <a:xfrm rot="0" flipH="0" flipV="0">
-            <a:off x="-291594" y="163460"/>
-            <a:ext cx="11011159" cy="782425"/>
-          </a:xfrm>
-          <a:prstGeom prst="rect">
-            <a:avLst/>
-          </a:prstGeom>
-        </p:spPr>
-        <p:txBody>
-          <a:bodyPr lIns="0" tIns="0" rIns="0" bIns="0" rtlCol="0" anchor="t">
-            <a:spAutoFit/>
-          </a:bodyPr>
-          <a:lstStyle/>
-          <a:p>
-            <a:pPr algn="ctr">
-              <a:lnSpc>
-                <a:spcPts val="6157"/>
-              </a:lnSpc>
-              <a:defRPr/>
-            </a:pPr>
-            <a:r>
-              <a:rPr lang="en-US" sz="2800" b="0">
-                <a:solidFill>
-                  <a:schemeClr val="bg1"/>
-                </a:solidFill>
-                <a:latin typeface="Agave"/>
-                <a:ea typeface="Agave"/>
-                <a:cs typeface="Agave"/>
-              </a:rPr>
-              <a:t>Nuts, Seeds, </a:t>
-            </a:r>
-            <a:r>
-              <a:rPr lang="en-US" sz="2800" b="0">
-                <a:solidFill>
-                  <a:schemeClr val="bg1"/>
-                </a:solidFill>
-                <a:latin typeface="Agave"/>
-                <a:ea typeface="Agave"/>
-                <a:cs typeface="Agave"/>
-              </a:rPr>
-              <a:t>Meat and Cardiovascular Disease (CVD)</a:t>
-            </a:r>
-            <a:endParaRPr sz="2800" b="0">
+              <a:t>Nuts and Seeds are Protective Against Cardiovascular Disease</a:t>
+            </a:r>
+            <a:endParaRPr sz="4000" b="0">
               <a:solidFill>
                 <a:schemeClr val="bg1"/>
               </a:solidFill>
@@ -4947,6 +4716,182 @@
           </a:p>
         </p:txBody>
       </p:sp>
+      <p:sp>
+        <p:nvSpPr>
+          <p:cNvPr id="1431067926" name="TextBox 6"/>
+          <p:cNvSpPr txBox="1"/>
+          <p:nvPr/>
+        </p:nvSpPr>
+        <p:spPr bwMode="auto">
+          <a:xfrm rot="0" flipH="0" flipV="0">
+            <a:off x="8875236" y="9443439"/>
+            <a:ext cx="1262139" cy="782552"/>
+          </a:xfrm>
+          <a:prstGeom prst="rect">
+            <a:avLst/>
+          </a:prstGeom>
+        </p:spPr>
+        <p:txBody>
+          <a:bodyPr lIns="0" tIns="0" rIns="0" bIns="0" rtlCol="0" anchor="t">
+            <a:spAutoFit/>
+          </a:bodyPr>
+          <a:lstStyle/>
+          <a:p>
+            <a:pPr algn="ctr">
+              <a:lnSpc>
+                <a:spcPts val="6158"/>
+              </a:lnSpc>
+              <a:defRPr/>
+            </a:pPr>
+            <a:r>
+              <a:rPr lang="en-US" sz="2600" b="0">
+                <a:solidFill>
+                  <a:schemeClr val="bg1"/>
+                </a:solidFill>
+                <a:latin typeface="Agave"/>
+                <a:ea typeface="Agave"/>
+                <a:cs typeface="Agave"/>
+              </a:rPr>
+              <a:t>1/3</a:t>
+            </a:r>
+            <a:endParaRPr sz="2600" b="0">
+              <a:solidFill>
+                <a:schemeClr val="bg1"/>
+              </a:solidFill>
+              <a:latin typeface="Tinos"/>
+              <a:cs typeface="Tinos"/>
+            </a:endParaRPr>
+          </a:p>
+        </p:txBody>
+      </p:sp>
+      <p:sp>
+        <p:nvSpPr>
+          <p:cNvPr id="994270071" name="TextBox 6"/>
+          <p:cNvSpPr txBox="1"/>
+          <p:nvPr/>
+        </p:nvSpPr>
+        <p:spPr bwMode="auto">
+          <a:xfrm rot="0" flipH="0" flipV="0">
+            <a:off x="173058" y="9377743"/>
+            <a:ext cx="4017144" cy="782172"/>
+          </a:xfrm>
+          <a:prstGeom prst="rect">
+            <a:avLst/>
+          </a:prstGeom>
+        </p:spPr>
+        <p:txBody>
+          <a:bodyPr lIns="0" tIns="0" rIns="0" bIns="0" rtlCol="0" anchor="t">
+            <a:spAutoFit/>
+          </a:bodyPr>
+          <a:lstStyle/>
+          <a:p>
+            <a:pPr algn="ctr">
+              <a:lnSpc>
+                <a:spcPts val="6155"/>
+              </a:lnSpc>
+              <a:defRPr/>
+            </a:pPr>
+            <a:r>
+              <a:rPr lang="en-US" sz="2600" b="0">
+                <a:solidFill>
+                  <a:schemeClr val="bg1"/>
+                </a:solidFill>
+                <a:latin typeface="Agave"/>
+                <a:ea typeface="Agave"/>
+                <a:cs typeface="Agave"/>
+              </a:rPr>
+              <a:t>Counsels on Lifestyle</a:t>
+            </a:r>
+            <a:endParaRPr sz="2600" b="0">
+              <a:solidFill>
+                <a:schemeClr val="bg1"/>
+              </a:solidFill>
+              <a:latin typeface="Tinos"/>
+              <a:cs typeface="Tinos"/>
+            </a:endParaRPr>
+          </a:p>
+        </p:txBody>
+      </p:sp>
+      <p:cxnSp>
+        <p:nvCxnSpPr>
+          <p:cNvPr id="1856632730" name=""/>
+          <p:cNvCxnSpPr>
+            <a:cxnSpLocks/>
+          </p:cNvCxnSpPr>
+          <p:nvPr/>
+        </p:nvCxnSpPr>
+        <p:spPr bwMode="auto">
+          <a:xfrm flipH="0" flipV="0">
+            <a:off x="13611" y="9578863"/>
+            <a:ext cx="10247581" cy="75540"/>
+          </a:xfrm>
+          <a:prstGeom prst="line">
+            <a:avLst/>
+          </a:prstGeom>
+          <a:ln w="38099" cap="flat" cmpd="sng" algn="ctr">
+            <a:solidFill>
+              <a:schemeClr val="bg1"/>
+            </a:solidFill>
+            <a:prstDash val="solid"/>
+          </a:ln>
+        </p:spPr>
+        <p:style>
+          <a:lnRef idx="1">
+            <a:schemeClr val="accent1">
+              <a:shade val="50000"/>
+            </a:schemeClr>
+          </a:lnRef>
+          <a:fillRef idx="0">
+            <a:schemeClr val="accent1"/>
+          </a:fillRef>
+          <a:effectRef idx="0">
+            <a:schemeClr val="accent1"/>
+          </a:effectRef>
+          <a:fontRef idx="minor">
+            <a:schemeClr val="tx1"/>
+          </a:fontRef>
+        </p:style>
+      </p:cxnSp>
+      <p:cxnSp>
+        <p:nvCxnSpPr>
+          <p:cNvPr id="1441047488" name=""/>
+          <p:cNvCxnSpPr>
+            <a:cxnSpLocks/>
+          </p:cNvCxnSpPr>
+          <p:nvPr/>
+        </p:nvCxnSpPr>
+        <p:spPr bwMode="auto">
+          <a:xfrm flipH="0" flipV="0">
+            <a:off x="1786" y="1520056"/>
+            <a:ext cx="10247581" cy="75540"/>
+          </a:xfrm>
+          <a:prstGeom prst="line">
+            <a:avLst/>
+          </a:prstGeom>
+          <a:ln w="38099" cap="flat" cmpd="sng" algn="ctr">
+            <a:solidFill>
+              <a:schemeClr val="bg1"/>
+            </a:solidFill>
+            <a:prstDash val="solid"/>
+          </a:ln>
+        </p:spPr>
+        <p:style>
+          <a:lnRef idx="1">
+            <a:schemeClr val="accent1">
+              <a:shade val="50000"/>
+            </a:schemeClr>
+          </a:lnRef>
+          <a:fillRef idx="0">
+            <a:schemeClr val="accent1"/>
+          </a:fillRef>
+          <a:effectRef idx="0">
+            <a:schemeClr val="accent1"/>
+          </a:effectRef>
+          <a:fontRef idx="minor">
+            <a:schemeClr val="tx1"/>
+          </a:fontRef>
+        </p:style>
+      </p:cxnSp>
     </p:spTree>
   </p:cSld>
   <p:clrMapOvr>
@@ -4969,10 +4914,9 @@
     <p:bg>
       <p:bgPr shadeToTitle="0">
         <a:solidFill>
-          <a:schemeClr val="accent4">
-            <a:lumMod val="50000"/>
+          <a:srgbClr val="26233A">
             <a:alpha val="99999"/>
-          </a:schemeClr>
+          </a:srgbClr>
         </a:solidFill>
       </p:bgPr>
     </p:bg>
@@ -4992,55 +4936,14 @@
       </p:grpSpPr>
       <p:sp>
         <p:nvSpPr>
-          <p:cNvPr id="795127148" name=""/>
-          <p:cNvSpPr/>
-          <p:nvPr/>
-        </p:nvSpPr>
-        <p:spPr bwMode="auto">
-          <a:xfrm flipH="0" flipV="0">
-            <a:off x="581145" y="1619247"/>
-            <a:ext cx="9081798" cy="7938594"/>
-          </a:xfrm>
-          <a:prstGeom prst="roundRect">
-            <a:avLst>
-              <a:gd name="adj" fmla="val 3765"/>
-            </a:avLst>
-          </a:prstGeom>
-          <a:solidFill>
-            <a:srgbClr val="232136"/>
-          </a:solidFill>
-          <a:ln w="25400" cap="flat" cmpd="sng" algn="ctr">
-            <a:noFill/>
-            <a:prstDash val="solid"/>
-          </a:ln>
-        </p:spPr>
-        <p:style>
-          <a:lnRef idx="2">
-            <a:schemeClr val="accent1">
-              <a:shade val="50000"/>
-            </a:schemeClr>
-          </a:lnRef>
-          <a:fillRef idx="1">
-            <a:schemeClr val="accent1"/>
-          </a:fillRef>
-          <a:effectRef idx="0">
-            <a:schemeClr val="accent1"/>
-          </a:effectRef>
-          <a:fontRef idx="minor">
-            <a:schemeClr val="lt1"/>
-          </a:fontRef>
-        </p:style>
-      </p:sp>
-      <p:sp>
-        <p:nvSpPr>
           <p:cNvPr id="1708333852" name=""/>
           <p:cNvSpPr txBox="1"/>
           <p:nvPr/>
         </p:nvSpPr>
         <p:spPr bwMode="auto">
           <a:xfrm flipH="0" flipV="0">
-            <a:off x="970764" y="1323641"/>
-            <a:ext cx="8595512" cy="9510120"/>
+            <a:off x="970763" y="1159416"/>
+            <a:ext cx="8601631" cy="6309720"/>
           </a:xfrm>
           <a:prstGeom prst="rect">
             <a:avLst/>
@@ -5055,20 +4958,8 @@
             <a:pPr>
               <a:defRPr/>
             </a:pPr>
-            <a:endParaRPr sz="2800" b="0" i="0" u="none" strike="noStrike" cap="none" spc="0">
-              <a:solidFill>
-                <a:schemeClr val="bg1"/>
-              </a:solidFill>
-              <a:latin typeface="Agave"/>
-              <a:cs typeface="Agave"/>
-            </a:endParaRPr>
-          </a:p>
-          <a:p>
-            <a:pPr algn="l">
-              <a:defRPr/>
-            </a:pPr>
-            <a:r>
-              <a:rPr lang="en-US" sz="2800" b="0" i="0" u="none" strike="noStrike" cap="none" spc="0">
+            <a:r>
+              <a:rPr lang="en-US" sz="3600" b="0" i="0" u="none" strike="noStrike" cap="none" spc="0">
                 <a:solidFill>
                   <a:schemeClr val="bg1"/>
                 </a:solidFill>
@@ -5076,9 +4967,64 @@
                 <a:ea typeface="Agave"/>
                 <a:cs typeface="Agave"/>
               </a:rPr>
-              <a:t>Cardiovascular Disease includes: Heart Attack, Stroke, Irregular Heart Beats</a:t>
-            </a:r>
-            <a:endParaRPr sz="3600" b="0" i="0" u="none" strike="noStrike" cap="none" spc="0">
+              <a:t>A high contribution of </a:t>
+            </a:r>
+            <a:r>
+              <a:rPr lang="en-US" sz="3600" b="0" i="0" u="none" strike="noStrike" cap="none" spc="0">
+                <a:solidFill>
+                  <a:srgbClr val="E99C34"/>
+                </a:solidFill>
+                <a:latin typeface="Agave"/>
+                <a:ea typeface="Agave"/>
+                <a:cs typeface="Agave"/>
+              </a:rPr>
+              <a:t>protein from meat increased risk of cardiovascular disease</a:t>
+            </a:r>
+            <a:r>
+              <a:rPr lang="en-US" sz="3600" b="0" i="0" u="none" strike="noStrike" cap="none" spc="0">
+                <a:solidFill>
+                  <a:schemeClr val="bg1"/>
+                </a:solidFill>
+                <a:latin typeface="Agave"/>
+                <a:ea typeface="Agave"/>
+                <a:cs typeface="Agave"/>
+              </a:rPr>
+              <a:t>, </a:t>
+            </a:r>
+            <a:r>
+              <a:rPr lang="en-US" sz="3600" b="0" i="0" u="none" strike="noStrike" cap="none" spc="0">
+                <a:solidFill>
+                  <a:schemeClr val="bg1"/>
+                </a:solidFill>
+                <a:latin typeface="Agave"/>
+                <a:ea typeface="Agave"/>
+                <a:cs typeface="Agave"/>
+              </a:rPr>
+              <a:t>whereas a high contribution of </a:t>
+            </a:r>
+            <a:r>
+              <a:rPr lang="en-US" sz="3600" b="0" i="0" u="none" strike="noStrike" cap="none" spc="0">
+                <a:solidFill>
+                  <a:srgbClr val="92D050"/>
+                </a:solidFill>
+                <a:latin typeface="Agave"/>
+                <a:ea typeface="Agave"/>
+                <a:cs typeface="Agave"/>
+              </a:rPr>
+              <a:t>protein from nuts and seeds is protective</a:t>
+            </a:r>
+            <a:r>
+              <a:rPr lang="en-US" sz="3600" b="0" i="0" u="none" strike="noStrike" cap="none" spc="0">
+                <a:solidFill>
+                  <a:schemeClr val="bg1"/>
+                </a:solidFill>
+                <a:latin typeface="Agave"/>
+                <a:ea typeface="Agave"/>
+                <a:cs typeface="Agave"/>
+              </a:rPr>
+              <a:t>.</a:t>
+            </a:r>
+            <a:endParaRPr lang="en-US" sz="3600" b="0" i="0" u="none" strike="noStrike" cap="none" spc="0">
               <a:solidFill>
                 <a:schemeClr val="bg1"/>
               </a:solidFill>
@@ -5088,10 +5034,10 @@
             </a:endParaRPr>
           </a:p>
           <a:p>
-            <a:pPr algn="l">
-              <a:defRPr/>
-            </a:pPr>
-            <a:endParaRPr sz="4800">
+            <a:pPr>
+              <a:defRPr/>
+            </a:pPr>
+            <a:endParaRPr sz="3600" b="0" i="0" u="none" strike="noStrike" cap="none" spc="0">
               <a:solidFill>
                 <a:schemeClr val="bg1"/>
               </a:solidFill>
@@ -5104,105 +5050,26 @@
               <a:defRPr/>
             </a:pPr>
             <a:r>
-              <a:rPr lang="en-US" sz="2800" b="0" i="0" u="none" strike="noStrike" cap="none" spc="0">
-                <a:solidFill>
-                  <a:schemeClr val="bg1"/>
+              <a:rPr lang="en-US" sz="3600" b="0" i="0" u="none" strike="noStrike" cap="none" spc="0">
+                <a:solidFill>
+                  <a:srgbClr val="00B0F0"/>
                 </a:solidFill>
                 <a:latin typeface="Agave"/>
                 <a:ea typeface="Agave"/>
                 <a:cs typeface="Agave"/>
               </a:rPr>
-              <a:t>A high contribution of </a:t>
-            </a:r>
-            <a:r>
-              <a:rPr lang="en-US" sz="2800" b="1" i="0" u="none" strike="noStrike" cap="none" spc="0">
-                <a:solidFill>
-                  <a:srgbClr val="EB6F92"/>
+              <a:t>These associations were not influenced by other characteristics</a:t>
+            </a:r>
+            <a:r>
+              <a:rPr lang="en-US" sz="3600" b="0" i="0" u="none" strike="noStrike" cap="none" spc="0">
+                <a:solidFill>
+                  <a:schemeClr val="bg1"/>
                 </a:solidFill>
                 <a:latin typeface="Agave"/>
                 <a:ea typeface="Agave"/>
                 <a:cs typeface="Agave"/>
               </a:rPr>
-              <a:t>protein from meat increased risk of cardiovascular disease</a:t>
-            </a:r>
-            <a:r>
-              <a:rPr lang="en-US" sz="2800" b="0" i="0" u="none" strike="noStrike" cap="none" spc="0">
-                <a:solidFill>
-                  <a:schemeClr val="bg1"/>
-                </a:solidFill>
-                <a:latin typeface="Agave"/>
-                <a:ea typeface="Agave"/>
-                <a:cs typeface="Agave"/>
-              </a:rPr>
-              <a:t>, </a:t>
-            </a:r>
-            <a:r>
-              <a:rPr lang="en-US" sz="2800" b="0" i="0" u="none" strike="noStrike" cap="none" spc="0">
-                <a:solidFill>
-                  <a:schemeClr val="bg1"/>
-                </a:solidFill>
-                <a:latin typeface="Agave"/>
-                <a:ea typeface="Agave"/>
-                <a:cs typeface="Agave"/>
-              </a:rPr>
-              <a:t>whereas a high contribution of </a:t>
-            </a:r>
-            <a:r>
-              <a:rPr lang="en-US" sz="2800" b="1" i="0" u="none" strike="noStrike" cap="none" spc="0">
-                <a:solidFill>
-                  <a:srgbClr val="92D050"/>
-                </a:solidFill>
-                <a:latin typeface="Agave"/>
-                <a:ea typeface="Agave"/>
-                <a:cs typeface="Agave"/>
-              </a:rPr>
-              <a:t>protein from nuts and seeds is protective</a:t>
-            </a:r>
-            <a:r>
-              <a:rPr lang="en-US" sz="2800" b="0" i="0" u="none" strike="noStrike" cap="none" spc="0">
-                <a:solidFill>
-                  <a:schemeClr val="bg1"/>
-                </a:solidFill>
-                <a:latin typeface="Agave"/>
-                <a:ea typeface="Agave"/>
-                <a:cs typeface="Agave"/>
-              </a:rPr>
-              <a:t>.</a:t>
-            </a:r>
-            <a:endParaRPr sz="2800" b="0" i="0" u="none" strike="noStrike" cap="none" spc="0">
-              <a:solidFill>
-                <a:schemeClr val="bg1"/>
-              </a:solidFill>
-              <a:latin typeface="Agave"/>
-              <a:cs typeface="Agave"/>
-            </a:endParaRPr>
-          </a:p>
-          <a:p>
-            <a:pPr algn="l">
-              <a:defRPr/>
-            </a:pPr>
-            <a:endParaRPr sz="4800">
-              <a:solidFill>
-                <a:schemeClr val="bg1"/>
-              </a:solidFill>
-              <a:latin typeface="Agave"/>
-              <a:cs typeface="Agave"/>
-            </a:endParaRPr>
-          </a:p>
-          <a:p>
-            <a:pPr>
-              <a:defRPr/>
-            </a:pPr>
-            <a:r>
-              <a:rPr lang="en-US" sz="2800" b="0" i="0" u="none" strike="noStrike" cap="none" spc="0">
-                <a:solidFill>
-                  <a:schemeClr val="bg1"/>
-                </a:solidFill>
-                <a:latin typeface="Agave"/>
-                <a:ea typeface="Agave"/>
-                <a:cs typeface="Agave"/>
-              </a:rPr>
-              <a:t>These associations were not influenced by other characteristics of the diet, like being vegetarian</a:t>
+              <a:t> of the diet, like being vegetarian</a:t>
             </a:r>
             <a:endParaRPr lang="en-US" sz="2800" b="0" i="0" u="none" strike="noStrike" cap="none" spc="0">
               <a:solidFill>
@@ -5231,310 +5098,23 @@
               <a:defRPr/>
             </a:pPr>
             <a:r>
-              <a:rPr lang="en-US" sz="2600" b="1" i="0" u="none" strike="noStrike" cap="none" spc="0">
-                <a:solidFill>
-                  <a:srgbClr val="FFC000"/>
+              <a:rPr lang="en-US" sz="2800" b="0" i="1" u="none" strike="noStrike" cap="none" spc="0">
+                <a:solidFill>
+                  <a:schemeClr val="bg1"/>
                 </a:solidFill>
                 <a:latin typeface="Agave"/>
                 <a:ea typeface="Agave"/>
                 <a:cs typeface="Agave"/>
               </a:rPr>
-              <a:t>How sure am I that my current diet does not put me at risk of developing cardiovascular disease?</a:t>
-            </a:r>
-            <a:endParaRPr lang="en-US" sz="2600" b="1" i="0" u="none" strike="noStrike" cap="none" spc="0">
-              <a:solidFill>
-                <a:srgbClr val="FFC000"/>
-              </a:solidFill>
-              <a:latin typeface="Agave"/>
-              <a:ea typeface="Agave"/>
-              <a:cs typeface="Agave"/>
-            </a:endParaRPr>
-          </a:p>
-          <a:p>
-            <a:pPr>
-              <a:defRPr/>
-            </a:pPr>
-            <a:endParaRPr sz="2600" b="1" i="0" u="none" strike="noStrike" cap="none" spc="0">
-              <a:solidFill>
-                <a:srgbClr val="FFC000"/>
-              </a:solidFill>
-              <a:latin typeface="Agave"/>
-              <a:ea typeface="Agave"/>
-              <a:cs typeface="Agave"/>
-            </a:endParaRPr>
-          </a:p>
-          <a:p>
-            <a:pPr>
-              <a:defRPr/>
-            </a:pPr>
-            <a:r>
-              <a:rPr lang="en-US" sz="2600" b="1" i="0" u="none" strike="noStrike" cap="none" spc="0">
-                <a:solidFill>
-                  <a:srgbClr val="FFC000"/>
-                </a:solidFill>
-                <a:latin typeface="Agave"/>
-                <a:ea typeface="Agave"/>
-                <a:cs typeface="Agave"/>
-              </a:rPr>
-              <a:t>What can I do to increase my intake of foods that are protective against cardiovascular disease?</a:t>
-            </a:r>
-            <a:endParaRPr lang="en-US" sz="2600" b="1" i="0" u="none" strike="noStrike" cap="none" spc="0">
-              <a:solidFill>
-                <a:srgbClr val="FFC000"/>
-              </a:solidFill>
-              <a:latin typeface="Agave"/>
-              <a:ea typeface="Agave"/>
-              <a:cs typeface="Agave"/>
-            </a:endParaRPr>
-          </a:p>
-          <a:p>
-            <a:pPr>
-              <a:defRPr/>
-            </a:pPr>
-            <a:endParaRPr sz="2800" b="0" i="0" u="none" strike="noStrike" cap="none" spc="0">
+              <a:t>Tharrey et al (2018). International Journal of Epidemiology, 47(5)</a:t>
+            </a:r>
+            <a:endParaRPr sz="2800" b="0" i="1" u="none" strike="noStrike" cap="none" spc="0">
               <a:solidFill>
                 <a:schemeClr val="bg1"/>
               </a:solidFill>
               <a:latin typeface="Agave"/>
               <a:cs typeface="Agave"/>
             </a:endParaRPr>
-          </a:p>
-          <a:p>
-            <a:pPr>
-              <a:defRPr/>
-            </a:pPr>
-            <a:endParaRPr sz="2800" b="0" i="0" u="none" strike="noStrike" cap="none" spc="0">
-              <a:solidFill>
-                <a:schemeClr val="bg1"/>
-              </a:solidFill>
-              <a:latin typeface="Agave"/>
-              <a:cs typeface="Agave"/>
-            </a:endParaRPr>
-          </a:p>
-          <a:p>
-            <a:pPr>
-              <a:defRPr/>
-            </a:pPr>
-            <a:endParaRPr sz="2800" b="0" i="0" u="none" strike="noStrike" cap="none" spc="0">
-              <a:solidFill>
-                <a:schemeClr val="bg1"/>
-              </a:solidFill>
-              <a:latin typeface="Agave"/>
-              <a:cs typeface="Agave"/>
-            </a:endParaRPr>
-          </a:p>
-        </p:txBody>
-      </p:sp>
-      <p:sp>
-        <p:nvSpPr>
-          <p:cNvPr id="218306275" name="TextBox 6"/>
-          <p:cNvSpPr txBox="1"/>
-          <p:nvPr/>
-        </p:nvSpPr>
-        <p:spPr bwMode="auto">
-          <a:xfrm rot="0" flipH="0" flipV="0">
-            <a:off x="-291594" y="163460"/>
-            <a:ext cx="11010800" cy="782425"/>
-          </a:xfrm>
-          <a:prstGeom prst="rect">
-            <a:avLst/>
-          </a:prstGeom>
-        </p:spPr>
-        <p:txBody>
-          <a:bodyPr lIns="0" tIns="0" rIns="0" bIns="0" rtlCol="0" anchor="t">
-            <a:spAutoFit/>
-          </a:bodyPr>
-          <a:lstStyle/>
-          <a:p>
-            <a:pPr algn="ctr">
-              <a:lnSpc>
-                <a:spcPts val="6158"/>
-              </a:lnSpc>
-              <a:defRPr/>
-            </a:pPr>
-            <a:r>
-              <a:rPr lang="en-US" sz="2800" b="0">
-                <a:solidFill>
-                  <a:schemeClr val="bg1"/>
-                </a:solidFill>
-                <a:latin typeface="Agave"/>
-                <a:ea typeface="Agave"/>
-                <a:cs typeface="Agave"/>
-              </a:rPr>
-              <a:t>Nuts, Seeds, </a:t>
-            </a:r>
-            <a:r>
-              <a:rPr lang="en-US" sz="2800" b="0">
-                <a:solidFill>
-                  <a:schemeClr val="bg1"/>
-                </a:solidFill>
-                <a:latin typeface="Agave"/>
-                <a:ea typeface="Agave"/>
-                <a:cs typeface="Agave"/>
-              </a:rPr>
-              <a:t>Meat and Cardiovascular Disease (CVD)</a:t>
-            </a:r>
-            <a:endParaRPr sz="2800" b="0">
-              <a:solidFill>
-                <a:schemeClr val="bg1"/>
-              </a:solidFill>
-              <a:latin typeface="Tinos"/>
-              <a:cs typeface="Tinos"/>
-            </a:endParaRPr>
-          </a:p>
-        </p:txBody>
-      </p:sp>
-      <p:sp>
-        <p:nvSpPr>
-          <p:cNvPr id="1539740573" name="TextBox 6"/>
-          <p:cNvSpPr txBox="1"/>
-          <p:nvPr/>
-        </p:nvSpPr>
-        <p:spPr bwMode="auto">
-          <a:xfrm rot="0" flipH="0" flipV="0">
-            <a:off x="-80785" y="710788"/>
-            <a:ext cx="10586658" cy="782425"/>
-          </a:xfrm>
-          <a:prstGeom prst="rect">
-            <a:avLst/>
-          </a:prstGeom>
-        </p:spPr>
-        <p:txBody>
-          <a:bodyPr lIns="0" tIns="0" rIns="0" bIns="0" rtlCol="0" anchor="t">
-            <a:spAutoFit/>
-          </a:bodyPr>
-          <a:lstStyle/>
-          <a:p>
-            <a:pPr algn="ctr">
-              <a:lnSpc>
-                <a:spcPts val="6157"/>
-              </a:lnSpc>
-              <a:defRPr/>
-            </a:pPr>
-            <a:r>
-              <a:rPr lang="en-US" sz="2200" b="0">
-                <a:solidFill>
-                  <a:schemeClr val="bg1">
-                    <a:lumMod val="75000"/>
-                  </a:schemeClr>
-                </a:solidFill>
-                <a:latin typeface="Agave"/>
-                <a:ea typeface="Agave"/>
-                <a:cs typeface="Agave"/>
-              </a:rPr>
-              <a:t>Tharrey et al (2018). International Journal of Epidemiology, 47(5)</a:t>
-            </a:r>
-            <a:endParaRPr sz="2200" b="0">
-              <a:solidFill>
-                <a:schemeClr val="bg1">
-                  <a:lumMod val="75000"/>
-                </a:schemeClr>
-              </a:solidFill>
-              <a:latin typeface="Tinos"/>
-              <a:cs typeface="Tinos"/>
-            </a:endParaRPr>
-          </a:p>
-        </p:txBody>
-      </p:sp>
-      <p:sp>
-        <p:nvSpPr>
-          <p:cNvPr id="1123120435" name="TextBox 6"/>
-          <p:cNvSpPr txBox="1"/>
-          <p:nvPr/>
-        </p:nvSpPr>
-        <p:spPr bwMode="auto">
-          <a:xfrm rot="0" flipH="0" flipV="0">
-            <a:off x="8768151" y="9279214"/>
-            <a:ext cx="1262859" cy="782552"/>
-          </a:xfrm>
-          <a:prstGeom prst="rect">
-            <a:avLst/>
-          </a:prstGeom>
-        </p:spPr>
-        <p:txBody>
-          <a:bodyPr lIns="0" tIns="0" rIns="0" bIns="0" rtlCol="0" anchor="t">
-            <a:spAutoFit/>
-          </a:bodyPr>
-          <a:lstStyle/>
-          <a:p>
-            <a:pPr algn="ctr">
-              <a:lnSpc>
-                <a:spcPts val="6158"/>
-              </a:lnSpc>
-              <a:defRPr/>
-            </a:pPr>
-            <a:r>
-              <a:rPr lang="en-US" sz="2600" b="0">
-                <a:solidFill>
-                  <a:schemeClr val="bg1"/>
-                </a:solidFill>
-                <a:latin typeface="Agave"/>
-                <a:ea typeface="Agave"/>
-                <a:cs typeface="Agave"/>
-              </a:rPr>
-              <a:t>2/3</a:t>
-            </a:r>
-            <a:endParaRPr sz="2600" b="0">
-              <a:solidFill>
-                <a:schemeClr val="bg1"/>
-              </a:solidFill>
-              <a:latin typeface="Tinos"/>
-              <a:cs typeface="Tinos"/>
-            </a:endParaRPr>
-          </a:p>
-        </p:txBody>
-      </p:sp>
-      <p:sp>
-        <p:nvSpPr>
-          <p:cNvPr id="1379895495" name="TextBox 6"/>
-          <p:cNvSpPr txBox="1"/>
-          <p:nvPr/>
-        </p:nvSpPr>
-        <p:spPr bwMode="auto">
-          <a:xfrm rot="0" flipH="0" flipV="0">
-            <a:off x="501507" y="9279211"/>
-            <a:ext cx="4009586" cy="1056618"/>
-          </a:xfrm>
-          <a:prstGeom prst="rect">
-            <a:avLst/>
-          </a:prstGeom>
-        </p:spPr>
-        <p:txBody>
-          <a:bodyPr lIns="0" tIns="0" rIns="0" bIns="0" rtlCol="0" anchor="t">
-            <a:spAutoFit/>
-          </a:bodyPr>
-          <a:lstStyle/>
-          <a:p>
-            <a:pPr algn="ctr">
-              <a:lnSpc>
-                <a:spcPts val="6156"/>
-              </a:lnSpc>
-              <a:defRPr/>
-            </a:pPr>
-            <a:r>
-              <a:rPr lang="en-US" sz="2600" b="0" i="0" u="none" strike="noStrike" cap="none" spc="0">
-                <a:solidFill>
-                  <a:schemeClr val="bg1"/>
-                </a:solidFill>
-                <a:latin typeface="Agave"/>
-                <a:ea typeface="Agave"/>
-                <a:cs typeface="Agave"/>
-              </a:rPr>
-              <a:t>Counsels on Lifestyle</a:t>
-            </a:r>
-            <a:endParaRPr sz="2600" b="0">
-              <a:solidFill>
-                <a:schemeClr val="bg1"/>
-              </a:solidFill>
-              <a:latin typeface="Tinos"/>
-              <a:cs typeface="Tinos"/>
-            </a:endParaRPr>
-          </a:p>
-          <a:p>
-            <a:pPr>
-              <a:defRPr/>
-            </a:pPr>
-            <a:endParaRPr/>
           </a:p>
         </p:txBody>
       </p:sp>
@@ -5586,6 +5166,142 @@
           </a:p>
         </p:txBody>
       </p:sp>
+      <p:sp>
+        <p:nvSpPr>
+          <p:cNvPr id="2025836504" name="TextBox 6"/>
+          <p:cNvSpPr txBox="1"/>
+          <p:nvPr/>
+        </p:nvSpPr>
+        <p:spPr bwMode="auto">
+          <a:xfrm rot="0" flipH="0" flipV="0">
+            <a:off x="8875236" y="9443439"/>
+            <a:ext cx="1262859" cy="782552"/>
+          </a:xfrm>
+          <a:prstGeom prst="rect">
+            <a:avLst/>
+          </a:prstGeom>
+        </p:spPr>
+        <p:txBody>
+          <a:bodyPr lIns="0" tIns="0" rIns="0" bIns="0" rtlCol="0" anchor="t">
+            <a:spAutoFit/>
+          </a:bodyPr>
+          <a:lstStyle/>
+          <a:p>
+            <a:pPr algn="ctr">
+              <a:lnSpc>
+                <a:spcPts val="6158"/>
+              </a:lnSpc>
+              <a:defRPr/>
+            </a:pPr>
+            <a:r>
+              <a:rPr lang="en-US" sz="2600" b="0">
+                <a:solidFill>
+                  <a:schemeClr val="bg1"/>
+                </a:solidFill>
+                <a:latin typeface="Agave"/>
+                <a:ea typeface="Agave"/>
+                <a:cs typeface="Agave"/>
+              </a:rPr>
+              <a:t>2/3</a:t>
+            </a:r>
+            <a:endParaRPr sz="2600" b="0">
+              <a:solidFill>
+                <a:schemeClr val="bg1"/>
+              </a:solidFill>
+              <a:latin typeface="Tinos"/>
+              <a:cs typeface="Tinos"/>
+            </a:endParaRPr>
+          </a:p>
+        </p:txBody>
+      </p:sp>
+      <p:sp>
+        <p:nvSpPr>
+          <p:cNvPr id="1467632412" name="TextBox 6"/>
+          <p:cNvSpPr txBox="1"/>
+          <p:nvPr/>
+        </p:nvSpPr>
+        <p:spPr bwMode="auto">
+          <a:xfrm rot="0" flipH="0" flipV="0">
+            <a:off x="173058" y="9377743"/>
+            <a:ext cx="4017144" cy="782172"/>
+          </a:xfrm>
+          <a:prstGeom prst="rect">
+            <a:avLst/>
+          </a:prstGeom>
+        </p:spPr>
+        <p:txBody>
+          <a:bodyPr lIns="0" tIns="0" rIns="0" bIns="0" rtlCol="0" anchor="t">
+            <a:spAutoFit/>
+          </a:bodyPr>
+          <a:lstStyle/>
+          <a:p>
+            <a:pPr algn="ctr">
+              <a:lnSpc>
+                <a:spcPts val="6155"/>
+              </a:lnSpc>
+              <a:defRPr/>
+            </a:pPr>
+            <a:r>
+              <a:rPr lang="en-US" sz="2600" b="0">
+                <a:solidFill>
+                  <a:schemeClr val="bg1"/>
+                </a:solidFill>
+                <a:latin typeface="Agave"/>
+                <a:ea typeface="Agave"/>
+                <a:cs typeface="Agave"/>
+              </a:rPr>
+              <a:t>Counsels on Lifestyle</a:t>
+            </a:r>
+            <a:endParaRPr sz="2600" b="0">
+              <a:solidFill>
+                <a:schemeClr val="bg1"/>
+              </a:solidFill>
+              <a:latin typeface="Tinos"/>
+              <a:cs typeface="Tinos"/>
+            </a:endParaRPr>
+          </a:p>
+        </p:txBody>
+      </p:sp>
+      <p:cxnSp>
+        <p:nvCxnSpPr>
+          <p:cNvPr id="1139868621" name=""/>
+          <p:cNvCxnSpPr>
+            <a:cxnSpLocks/>
+          </p:cNvCxnSpPr>
+          <p:nvPr/>
+        </p:nvCxnSpPr>
+        <p:spPr bwMode="auto">
+          <a:xfrm flipH="0" flipV="0">
+            <a:off x="13611" y="9578863"/>
+            <a:ext cx="10247581" cy="75540"/>
+          </a:xfrm>
+          <a:prstGeom prst="line">
+            <a:avLst/>
+          </a:prstGeom>
+          <a:ln w="38099" cap="flat" cmpd="sng" algn="ctr">
+            <a:solidFill>
+              <a:schemeClr val="bg1"/>
+            </a:solidFill>
+            <a:prstDash val="solid"/>
+          </a:ln>
+        </p:spPr>
+        <p:style>
+          <a:lnRef idx="1">
+            <a:schemeClr val="accent1">
+              <a:shade val="50000"/>
+            </a:schemeClr>
+          </a:lnRef>
+          <a:fillRef idx="0">
+            <a:schemeClr val="accent1"/>
+          </a:fillRef>
+          <a:effectRef idx="0">
+            <a:schemeClr val="accent1"/>
+          </a:effectRef>
+          <a:fontRef idx="minor">
+            <a:schemeClr val="tx1"/>
+          </a:fontRef>
+        </p:style>
+      </p:cxnSp>
     </p:spTree>
   </p:cSld>
   <p:clrMapOvr>
@@ -5608,10 +5324,9 @@
     <p:bg>
       <p:bgPr shadeToTitle="0">
         <a:solidFill>
-          <a:schemeClr val="accent4">
-            <a:lumMod val="50000"/>
+          <a:srgbClr val="26233A">
             <a:alpha val="99999"/>
-          </a:schemeClr>
+          </a:srgbClr>
         </a:solidFill>
       </p:bgPr>
     </p:bg>
@@ -5631,55 +5346,14 @@
       </p:grpSpPr>
       <p:sp>
         <p:nvSpPr>
-          <p:cNvPr id="2003307179" name=""/>
-          <p:cNvSpPr/>
-          <p:nvPr/>
-        </p:nvSpPr>
-        <p:spPr bwMode="auto">
-          <a:xfrm flipH="0" flipV="0">
-            <a:off x="581145" y="1619247"/>
-            <a:ext cx="9081798" cy="7938594"/>
-          </a:xfrm>
-          <a:prstGeom prst="roundRect">
-            <a:avLst>
-              <a:gd name="adj" fmla="val 3765"/>
-            </a:avLst>
-          </a:prstGeom>
-          <a:solidFill>
-            <a:srgbClr val="232136"/>
-          </a:solidFill>
-          <a:ln w="25400" cap="flat" cmpd="sng" algn="ctr">
-            <a:noFill/>
-            <a:prstDash val="solid"/>
-          </a:ln>
-        </p:spPr>
-        <p:style>
-          <a:lnRef idx="2">
-            <a:schemeClr val="accent1">
-              <a:shade val="50000"/>
-            </a:schemeClr>
-          </a:lnRef>
-          <a:fillRef idx="1">
-            <a:schemeClr val="accent1"/>
-          </a:fillRef>
-          <a:effectRef idx="0">
-            <a:schemeClr val="accent1"/>
-          </a:effectRef>
-          <a:fontRef idx="minor">
-            <a:schemeClr val="lt1"/>
-          </a:fontRef>
-        </p:style>
-      </p:sp>
-      <p:sp>
-        <p:nvSpPr>
           <p:cNvPr id="1359300248" name=""/>
           <p:cNvSpPr txBox="1"/>
           <p:nvPr/>
         </p:nvSpPr>
         <p:spPr bwMode="auto">
           <a:xfrm flipH="0" flipV="0">
-            <a:off x="1004099" y="1869804"/>
-            <a:ext cx="8314710" cy="7041239"/>
+            <a:off x="1004098" y="1212907"/>
+            <a:ext cx="8322269" cy="6553559"/>
           </a:xfrm>
           <a:prstGeom prst="rect">
             <a:avLst/>
@@ -5695,83 +5369,185 @@
               <a:defRPr/>
             </a:pPr>
             <a:r>
-              <a:rPr lang="en-US" sz="2400" b="0" i="1" u="none" strike="noStrike" cap="none" spc="0">
-                <a:solidFill>
-                  <a:srgbClr val="EB6F92"/>
+              <a:rPr lang="en-US" sz="3600" b="0" i="0" u="none" strike="noStrike" cap="none" spc="0">
+                <a:solidFill>
+                  <a:schemeClr val="bg1"/>
                 </a:solidFill>
                 <a:latin typeface="Agave"/>
                 <a:ea typeface="Agave"/>
                 <a:cs typeface="Agave"/>
               </a:rPr>
-              <a:t>Gen 1:29</a:t>
-            </a:r>
-            <a:r>
-              <a:rPr lang="en-US" sz="2400" b="0" i="0" u="none" strike="noStrike" cap="none" spc="0">
-                <a:solidFill>
-                  <a:schemeClr val="bg1"/>
+              <a:t>Cancers, tumors, and </a:t>
+            </a:r>
+            <a:r>
+              <a:rPr lang="en-US" sz="3600" b="0" i="0" u="none" strike="noStrike" cap="none" spc="0">
+                <a:solidFill>
+                  <a:srgbClr val="92D050"/>
                 </a:solidFill>
                 <a:latin typeface="Agave"/>
                 <a:ea typeface="Agave"/>
                 <a:cs typeface="Agave"/>
               </a:rPr>
-              <a:t> </a:t>
-            </a:r>
-            <a:r>
-              <a:rPr lang="en-US" sz="2400" b="0" i="0" u="none" strike="noStrike" cap="none" spc="0">
-                <a:solidFill>
-                  <a:schemeClr val="bg1"/>
+              <a:t>pulmonary disease</a:t>
+            </a:r>
+            <a:r>
+              <a:rPr lang="en-US" sz="3600" b="0" i="0" u="none" strike="noStrike" cap="none" spc="0">
+                <a:solidFill>
+                  <a:srgbClr val="92D050"/>
                 </a:solidFill>
                 <a:latin typeface="Agave"/>
                 <a:ea typeface="Agave"/>
                 <a:cs typeface="Agave"/>
               </a:rPr>
-              <a:t>...I have given you every herb bearing </a:t>
-            </a:r>
-            <a:r>
-              <a:rPr lang="en-US" sz="2400" b="0" i="0" u="none" strike="noStrike" cap="none" spc="0">
-                <a:solidFill>
-                  <a:srgbClr val="92D050"/>
+              <a:t>s</a:t>
+            </a:r>
+            <a:r>
+              <a:rPr lang="en-US" sz="3600" b="0" i="0" u="none" strike="noStrike" cap="none" spc="0">
+                <a:solidFill>
+                  <a:schemeClr val="bg1"/>
                 </a:solidFill>
                 <a:latin typeface="Agave"/>
                 <a:ea typeface="Agave"/>
                 <a:cs typeface="Agave"/>
               </a:rPr>
-              <a:t>seed</a:t>
-            </a:r>
-            <a:r>
-              <a:rPr lang="en-US" sz="2400" b="0" i="0" u="none" strike="noStrike" cap="none" spc="0">
-                <a:solidFill>
-                  <a:schemeClr val="bg1"/>
+              <a:t> are </a:t>
+            </a:r>
+            <a:r>
+              <a:rPr lang="en-US" sz="3600" b="0" i="0" u="none" strike="noStrike" cap="none" spc="0">
+                <a:solidFill>
+                  <a:srgbClr val="FFC000"/>
                 </a:solidFill>
                 <a:latin typeface="Agave"/>
                 <a:ea typeface="Agave"/>
                 <a:cs typeface="Agave"/>
               </a:rPr>
-              <a:t>... and every tree, in the which [is] the </a:t>
-            </a:r>
-            <a:r>
-              <a:rPr lang="en-US" sz="2400" b="0" i="0" u="none" strike="noStrike" cap="none" spc="0">
-                <a:solidFill>
-                  <a:srgbClr val="92D050"/>
+              <a:t>largely caused by meat eating</a:t>
+            </a:r>
+            <a:r>
+              <a:rPr lang="en-US" sz="3600" b="0" i="0" u="none" strike="noStrike" cap="none" spc="0">
+                <a:solidFill>
+                  <a:schemeClr val="bg1"/>
                 </a:solidFill>
                 <a:latin typeface="Agave"/>
                 <a:ea typeface="Agave"/>
                 <a:cs typeface="Agave"/>
               </a:rPr>
-              <a:t>fruit of a tree yielding seed</a:t>
-            </a:r>
-            <a:r>
-              <a:rPr lang="en-US" sz="2400" b="0" i="0" u="none" strike="noStrike" cap="none" spc="0">
-                <a:solidFill>
-                  <a:schemeClr val="bg1"/>
+              <a:t>.</a:t>
+            </a:r>
+            <a:endParaRPr lang="en-US" sz="3600" b="0" i="1" u="none" strike="noStrike" cap="none" spc="0">
+              <a:solidFill>
+                <a:srgbClr val="EB6F92"/>
+              </a:solidFill>
+              <a:latin typeface="Agave"/>
+              <a:ea typeface="Agave"/>
+              <a:cs typeface="Agave"/>
+            </a:endParaRPr>
+          </a:p>
+          <a:p>
+            <a:pPr>
+              <a:defRPr/>
+            </a:pPr>
+            <a:endParaRPr sz="3600" b="0" i="0" u="none" strike="noStrike" cap="none" spc="0">
+              <a:solidFill>
+                <a:schemeClr val="bg1"/>
+              </a:solidFill>
+              <a:latin typeface="Agave"/>
+              <a:cs typeface="Agave"/>
+            </a:endParaRPr>
+          </a:p>
+          <a:p>
+            <a:pPr>
+              <a:defRPr/>
+            </a:pPr>
+            <a:r>
+              <a:rPr lang="en-US" sz="3600" b="0" i="0" u="none" strike="noStrike" cap="none" spc="0">
+                <a:solidFill>
+                  <a:srgbClr val="92D050"/>
                 </a:solidFill>
                 <a:latin typeface="Agave"/>
                 <a:ea typeface="Agave"/>
                 <a:cs typeface="Agave"/>
               </a:rPr>
-              <a:t>;</a:t>
-            </a:r>
-            <a:endParaRPr lang="en-US" sz="2400" b="1" i="0" u="none" strike="noStrike" cap="none" spc="0">
+              <a:t>Nuts and nut foods are coming largely into use to take the place </a:t>
+            </a:r>
+            <a:r>
+              <a:rPr lang="en-US" sz="3600" b="0" i="0" u="none" strike="noStrike" cap="none" spc="0">
+                <a:solidFill>
+                  <a:srgbClr val="92D050"/>
+                </a:solidFill>
+                <a:latin typeface="Agave"/>
+                <a:ea typeface="Agave"/>
+                <a:cs typeface="Agave"/>
+              </a:rPr>
+              <a:t>of flesh meats</a:t>
+            </a:r>
+            <a:r>
+              <a:rPr lang="en-US" sz="3600" b="0" i="0" u="none" strike="noStrike" cap="none" spc="0">
+                <a:solidFill>
+                  <a:schemeClr val="bg1"/>
+                </a:solidFill>
+                <a:latin typeface="Agave"/>
+                <a:ea typeface="Agave"/>
+                <a:cs typeface="Agave"/>
+              </a:rPr>
+              <a:t>. With nuts may be combined grains, fruits, and </a:t>
+            </a:r>
+            <a:r>
+              <a:rPr lang="en-US" sz="3600" b="0" i="0" u="none" strike="noStrike" cap="none" spc="0">
+                <a:solidFill>
+                  <a:schemeClr val="bg1"/>
+                </a:solidFill>
+                <a:latin typeface="Agave"/>
+                <a:ea typeface="Agave"/>
+                <a:cs typeface="Agave"/>
+              </a:rPr>
+              <a:t>some roots, to </a:t>
+            </a:r>
+            <a:r>
+              <a:rPr lang="en-US" sz="3600" b="0" i="0" u="none" strike="noStrike" cap="none" spc="0">
+                <a:solidFill>
+                  <a:srgbClr val="00B0F0"/>
+                </a:solidFill>
+                <a:latin typeface="Agave"/>
+                <a:ea typeface="Agave"/>
+                <a:cs typeface="Agave"/>
+              </a:rPr>
+              <a:t>make foods that are </a:t>
+            </a:r>
+            <a:r>
+              <a:rPr lang="en-US" sz="3600" b="0" i="0" u="none" strike="noStrike" cap="none" spc="0">
+                <a:solidFill>
+                  <a:srgbClr val="00B0F0"/>
+                </a:solidFill>
+                <a:latin typeface="Agave"/>
+                <a:ea typeface="Agave"/>
+                <a:cs typeface="Agave"/>
+              </a:rPr>
+              <a:t>healthful and nourishin</a:t>
+            </a:r>
+            <a:r>
+              <a:rPr lang="en-US" sz="3600" b="0" i="0" u="none" strike="noStrike" cap="none" spc="0">
+                <a:solidFill>
+                  <a:srgbClr val="00B0F0"/>
+                </a:solidFill>
+                <a:latin typeface="Agave"/>
+                <a:ea typeface="Agave"/>
+                <a:cs typeface="Agave"/>
+              </a:rPr>
+              <a:t>g</a:t>
+            </a:r>
+            <a:r>
+              <a:rPr lang="en-US" sz="3600" b="0" i="0" u="none" strike="noStrike" cap="none" spc="0">
+                <a:solidFill>
+                  <a:schemeClr val="bg1"/>
+                </a:solidFill>
+                <a:latin typeface="Agave"/>
+                <a:ea typeface="Agave"/>
+                <a:cs typeface="Agave"/>
+              </a:rPr>
+              <a:t>.</a:t>
+            </a:r>
+            <a:endParaRPr lang="en-US" sz="3600" b="0" i="0" u="none" strike="noStrike" cap="none" spc="0">
               <a:solidFill>
                 <a:schemeClr val="bg1"/>
               </a:solidFill>
@@ -5784,484 +5560,47 @@
             <a:pPr>
               <a:defRPr/>
             </a:pPr>
-            <a:endParaRPr sz="2400" b="0" i="0" u="none" strike="noStrike" cap="none" spc="0">
+            <a:endParaRPr lang="en-US" sz="3600" b="0" i="0" u="none" strike="noStrike" cap="none" spc="0">
+              <a:solidFill>
+                <a:schemeClr val="bg1"/>
+              </a:solidFill>
+              <a:latin typeface="Agave"/>
+              <a:cs typeface="Agave"/>
+            </a:endParaRPr>
+          </a:p>
+          <a:p>
+            <a:pPr>
+              <a:defRPr/>
+            </a:pPr>
+            <a:r>
+              <a:rPr lang="en-US" sz="2800" b="0" i="1" u="none" strike="noStrike" cap="none" spc="0">
+                <a:solidFill>
+                  <a:schemeClr val="bg1"/>
+                </a:solidFill>
+                <a:latin typeface="Agave"/>
+                <a:ea typeface="Agave"/>
+                <a:cs typeface="Agave"/>
+              </a:rPr>
+              <a:t>The Ministry </a:t>
+            </a:r>
+            <a:r>
+              <a:rPr lang="en-US" sz="2800" b="0" i="1" u="none" strike="noStrike" cap="none" spc="0">
+                <a:solidFill>
+                  <a:schemeClr val="bg1"/>
+                </a:solidFill>
+                <a:latin typeface="Agave"/>
+                <a:ea typeface="Agave"/>
+                <a:cs typeface="Agave"/>
+              </a:rPr>
+              <a:t>of Healing, 297, 298, 1905</a:t>
+            </a:r>
+            <a:endParaRPr sz="2800" b="0" i="1" u="none" strike="noStrike" cap="none" spc="0">
               <a:solidFill>
                 <a:schemeClr val="bg1"/>
               </a:solidFill>
               <a:latin typeface="Agave"/>
               <a:ea typeface="Agave"/>
               <a:cs typeface="Agave"/>
-            </a:endParaRPr>
-          </a:p>
-          <a:p>
-            <a:pPr>
-              <a:defRPr/>
-            </a:pPr>
-            <a:r>
-              <a:rPr lang="en-US" sz="2400" b="0" i="0" u="none" strike="noStrike" cap="none" spc="0">
-                <a:solidFill>
-                  <a:schemeClr val="bg1"/>
-                </a:solidFill>
-                <a:latin typeface="Agave"/>
-                <a:ea typeface="Agave"/>
-                <a:cs typeface="Agave"/>
-              </a:rPr>
-              <a:t>Cancers, tumors, and </a:t>
-            </a:r>
-            <a:r>
-              <a:rPr lang="en-US" sz="2400" b="0" i="0" u="none" strike="noStrike" cap="none" spc="0">
-                <a:solidFill>
-                  <a:srgbClr val="92D050"/>
-                </a:solidFill>
-                <a:latin typeface="Agave"/>
-                <a:ea typeface="Agave"/>
-                <a:cs typeface="Agave"/>
-              </a:rPr>
-              <a:t>pulmonary disease</a:t>
-            </a:r>
-            <a:r>
-              <a:rPr lang="en-US" sz="2400" b="0" i="0" u="none" strike="noStrike" cap="none" spc="0">
-                <a:solidFill>
-                  <a:srgbClr val="92D050"/>
-                </a:solidFill>
-                <a:latin typeface="Agave"/>
-                <a:ea typeface="Agave"/>
-                <a:cs typeface="Agave"/>
-              </a:rPr>
-              <a:t>s</a:t>
-            </a:r>
-            <a:r>
-              <a:rPr lang="en-US" sz="2400" b="0" i="0" u="none" strike="noStrike" cap="none" spc="0">
-                <a:solidFill>
-                  <a:schemeClr val="bg1"/>
-                </a:solidFill>
-                <a:latin typeface="Agave"/>
-                <a:ea typeface="Agave"/>
-                <a:cs typeface="Agave"/>
-              </a:rPr>
-              <a:t> are </a:t>
-            </a:r>
-            <a:r>
-              <a:rPr lang="en-US" sz="2400" b="0" i="0" u="none" strike="noStrike" cap="none" spc="0">
-                <a:solidFill>
-                  <a:srgbClr val="FFC000"/>
-                </a:solidFill>
-                <a:latin typeface="Agave"/>
-                <a:ea typeface="Agave"/>
-                <a:cs typeface="Agave"/>
-              </a:rPr>
-              <a:t>largely caused by meat eating</a:t>
-            </a:r>
-            <a:r>
-              <a:rPr lang="en-US" sz="2400" b="0" i="0" u="none" strike="noStrike" cap="none" spc="0">
-                <a:solidFill>
-                  <a:schemeClr val="bg1"/>
-                </a:solidFill>
-                <a:latin typeface="Agave"/>
-                <a:ea typeface="Agave"/>
-                <a:cs typeface="Agave"/>
-              </a:rPr>
-              <a:t>.</a:t>
-            </a:r>
-            <a:r>
-              <a:rPr lang="en-US" sz="2400" b="0" i="1" u="none" strike="noStrike" cap="none" spc="0">
-                <a:solidFill>
-                  <a:srgbClr val="EB6F92"/>
-                </a:solidFill>
-                <a:latin typeface="Agave"/>
-                <a:ea typeface="Agave"/>
-                <a:cs typeface="Agave"/>
-              </a:rPr>
-              <a:t>—Pacific Union Recorder,</a:t>
-            </a:r>
-            <a:endParaRPr sz="2400" b="0" i="1" u="none" strike="noStrike" cap="none" spc="0">
-              <a:solidFill>
-                <a:srgbClr val="EB6F92"/>
-              </a:solidFill>
-              <a:latin typeface="Agave"/>
-              <a:cs typeface="Agave"/>
-            </a:endParaRPr>
-          </a:p>
-          <a:p>
-            <a:pPr>
-              <a:defRPr/>
-            </a:pPr>
-            <a:r>
-              <a:rPr lang="en-US" sz="2400" b="0" i="1" u="none" strike="noStrike" cap="none" spc="0">
-                <a:solidFill>
-                  <a:srgbClr val="EB6F92"/>
-                </a:solidFill>
-                <a:latin typeface="Agave"/>
-                <a:ea typeface="Agave"/>
-                <a:cs typeface="Agave"/>
-              </a:rPr>
-              <a:t>October 9, 1902</a:t>
-            </a:r>
-            <a:endParaRPr lang="en-US" sz="2400" b="0" i="0" u="none" strike="noStrike" cap="none" spc="0">
-              <a:solidFill>
-                <a:schemeClr val="bg1"/>
-              </a:solidFill>
-              <a:latin typeface="Agave"/>
-              <a:ea typeface="Agave"/>
-              <a:cs typeface="Agave"/>
-            </a:endParaRPr>
-          </a:p>
-          <a:p>
-            <a:pPr>
-              <a:defRPr/>
-            </a:pPr>
-            <a:endParaRPr lang="en-US" sz="2400" b="0" i="0" u="none" strike="noStrike" cap="none" spc="0">
-              <a:solidFill>
-                <a:schemeClr val="bg1"/>
-              </a:solidFill>
-              <a:latin typeface="Agave"/>
-              <a:cs typeface="Agave"/>
-            </a:endParaRPr>
-          </a:p>
-          <a:p>
-            <a:pPr>
-              <a:defRPr/>
-            </a:pPr>
-            <a:r>
-              <a:rPr lang="en-US" sz="2400" b="0" i="0" u="none" strike="noStrike" cap="none" spc="0">
-                <a:solidFill>
-                  <a:schemeClr val="bg1"/>
-                </a:solidFill>
-                <a:latin typeface="Agave"/>
-                <a:ea typeface="Agave"/>
-                <a:cs typeface="Agave"/>
-              </a:rPr>
-              <a:t>In </a:t>
-            </a:r>
-            <a:r>
-              <a:rPr lang="en-US" sz="2400" b="0" i="0" u="none" strike="noStrike" cap="none" spc="0">
-                <a:solidFill>
-                  <a:srgbClr val="92D050"/>
-                </a:solidFill>
-                <a:latin typeface="Agave"/>
-                <a:ea typeface="Agave"/>
-                <a:cs typeface="Agave"/>
-              </a:rPr>
-              <a:t>grains, fruit, vegetables, and nuts</a:t>
-            </a:r>
-            <a:r>
-              <a:rPr lang="en-US" sz="2400" b="0" i="0" u="none" strike="noStrike" cap="none" spc="0">
-                <a:solidFill>
-                  <a:schemeClr val="bg1"/>
-                </a:solidFill>
-                <a:latin typeface="Agave"/>
-                <a:ea typeface="Agave"/>
-                <a:cs typeface="Agave"/>
-              </a:rPr>
-              <a:t> are to be found all </a:t>
-            </a:r>
-            <a:r>
-              <a:rPr lang="en-US" sz="2400" b="0" i="0" u="none" strike="noStrike" cap="none" spc="0">
-                <a:solidFill>
-                  <a:schemeClr val="bg1"/>
-                </a:solidFill>
-                <a:latin typeface="Agave"/>
-                <a:ea typeface="Agave"/>
-                <a:cs typeface="Agave"/>
-              </a:rPr>
-              <a:t>the food elements that we need. If we will come to the Lord in </a:t>
-            </a:r>
-            <a:r>
-              <a:rPr lang="en-US" sz="2400" b="0" i="0" u="none" strike="noStrike" cap="none" spc="0">
-                <a:solidFill>
-                  <a:schemeClr val="bg1"/>
-                </a:solidFill>
-                <a:latin typeface="Agave"/>
-                <a:ea typeface="Agave"/>
-                <a:cs typeface="Agave"/>
-              </a:rPr>
-              <a:t>simplicity of mind, </a:t>
-            </a:r>
-            <a:r>
-              <a:rPr lang="en-US" sz="2400" b="0" i="0" u="none" strike="noStrike" cap="none" spc="0">
-                <a:solidFill>
-                  <a:srgbClr val="00B0F0"/>
-                </a:solidFill>
-                <a:latin typeface="Agave"/>
-                <a:ea typeface="Agave"/>
-                <a:cs typeface="Agave"/>
-              </a:rPr>
-              <a:t>He will teach us how to prepare wholesome food</a:t>
-            </a:r>
-            <a:r>
-              <a:rPr lang="en-US" sz="2400" b="0" i="0" u="none" strike="noStrike" cap="none" spc="0">
-                <a:solidFill>
-                  <a:schemeClr val="bg1"/>
-                </a:solidFill>
-                <a:latin typeface="Agave"/>
-                <a:ea typeface="Agave"/>
-                <a:cs typeface="Agave"/>
-              </a:rPr>
-              <a:t> </a:t>
-            </a:r>
-            <a:r>
-              <a:rPr lang="en-US" sz="2400" b="0" i="0" u="none" strike="noStrike" cap="none" spc="0">
-                <a:solidFill>
-                  <a:schemeClr val="bg1"/>
-                </a:solidFill>
-                <a:latin typeface="Agave"/>
-                <a:ea typeface="Agave"/>
-                <a:cs typeface="Agave"/>
-              </a:rPr>
-              <a:t>free from the taint of flesh meat.</a:t>
-            </a:r>
-            <a:r>
-              <a:rPr lang="en-US" sz="2400" b="0" i="1" u="none" strike="noStrike" cap="none" spc="0">
-                <a:solidFill>
-                  <a:srgbClr val="EB6F92"/>
-                </a:solidFill>
-                <a:latin typeface="Agave"/>
-                <a:ea typeface="Agave"/>
-                <a:cs typeface="Agave"/>
-              </a:rPr>
-              <a:t>—Manuscript 27, 1906</a:t>
-            </a:r>
-            <a:endParaRPr lang="en-US" sz="2400" b="0" i="0" u="none" strike="noStrike" cap="none" spc="0">
-              <a:solidFill>
-                <a:schemeClr val="bg1"/>
-              </a:solidFill>
-              <a:latin typeface="Agave"/>
-              <a:ea typeface="Agave"/>
-              <a:cs typeface="Agave"/>
-            </a:endParaRPr>
-          </a:p>
-          <a:p>
-            <a:pPr>
-              <a:defRPr/>
-            </a:pPr>
-            <a:endParaRPr sz="2400" b="0" i="0" u="none" strike="noStrike" cap="none" spc="0">
-              <a:solidFill>
-                <a:schemeClr val="bg1"/>
-              </a:solidFill>
-              <a:latin typeface="Agave"/>
-              <a:cs typeface="Agave"/>
-            </a:endParaRPr>
-          </a:p>
-          <a:p>
-            <a:pPr>
-              <a:defRPr/>
-            </a:pPr>
-            <a:r>
-              <a:rPr lang="en-US" sz="2400" b="0" i="0" u="none" strike="noStrike" cap="none" spc="0">
-                <a:solidFill>
-                  <a:srgbClr val="92D050"/>
-                </a:solidFill>
-                <a:latin typeface="Agave"/>
-                <a:ea typeface="Agave"/>
-                <a:cs typeface="Agave"/>
-              </a:rPr>
-              <a:t>Nuts and nut foods are coming largely into use to take the place </a:t>
-            </a:r>
-            <a:r>
-              <a:rPr lang="en-US" sz="2400" b="0" i="0" u="none" strike="noStrike" cap="none" spc="0">
-                <a:solidFill>
-                  <a:srgbClr val="92D050"/>
-                </a:solidFill>
-                <a:latin typeface="Agave"/>
-                <a:ea typeface="Agave"/>
-                <a:cs typeface="Agave"/>
-              </a:rPr>
-              <a:t>of flesh meats</a:t>
-            </a:r>
-            <a:r>
-              <a:rPr lang="en-US" sz="2400" b="0" i="0" u="none" strike="noStrike" cap="none" spc="0">
-                <a:solidFill>
-                  <a:schemeClr val="bg1"/>
-                </a:solidFill>
-                <a:latin typeface="Agave"/>
-                <a:ea typeface="Agave"/>
-                <a:cs typeface="Agave"/>
-              </a:rPr>
-              <a:t>. With nuts may be combined grains, fruits, and </a:t>
-            </a:r>
-            <a:r>
-              <a:rPr lang="en-US" sz="2400" b="0" i="0" u="none" strike="noStrike" cap="none" spc="0">
-                <a:solidFill>
-                  <a:schemeClr val="bg1"/>
-                </a:solidFill>
-                <a:latin typeface="Agave"/>
-                <a:ea typeface="Agave"/>
-                <a:cs typeface="Agave"/>
-              </a:rPr>
-              <a:t>some roots, to </a:t>
-            </a:r>
-            <a:r>
-              <a:rPr lang="en-US" sz="2400" b="0" i="0" u="none" strike="noStrike" cap="none" spc="0">
-                <a:solidFill>
-                  <a:srgbClr val="00B0F0"/>
-                </a:solidFill>
-                <a:latin typeface="Agave"/>
-                <a:ea typeface="Agave"/>
-                <a:cs typeface="Agave"/>
-              </a:rPr>
-              <a:t>make foods that are </a:t>
-            </a:r>
-            <a:r>
-              <a:rPr lang="en-US" sz="2400" b="0" i="0" u="none" strike="noStrike" cap="none" spc="0">
-                <a:solidFill>
-                  <a:srgbClr val="00B0F0"/>
-                </a:solidFill>
-                <a:latin typeface="Agave"/>
-                <a:ea typeface="Agave"/>
-                <a:cs typeface="Agave"/>
-              </a:rPr>
-              <a:t>healthful and nourishin</a:t>
-            </a:r>
-            <a:r>
-              <a:rPr lang="en-US" sz="2400" b="0" i="0" u="none" strike="noStrike" cap="none" spc="0">
-                <a:solidFill>
-                  <a:srgbClr val="00B0F0"/>
-                </a:solidFill>
-                <a:latin typeface="Agave"/>
-                <a:ea typeface="Agave"/>
-                <a:cs typeface="Agave"/>
-              </a:rPr>
-              <a:t>g</a:t>
-            </a:r>
-            <a:r>
-              <a:rPr lang="en-US" sz="2400" b="0" i="0" u="none" strike="noStrike" cap="none" spc="0">
-                <a:solidFill>
-                  <a:schemeClr val="bg1"/>
-                </a:solidFill>
-                <a:latin typeface="Agave"/>
-                <a:ea typeface="Agave"/>
-                <a:cs typeface="Agave"/>
-              </a:rPr>
-              <a:t>. </a:t>
-            </a:r>
-            <a:r>
-              <a:rPr lang="en-US" sz="2400" b="0" i="1" u="none" strike="noStrike" cap="none" spc="0">
-                <a:solidFill>
-                  <a:srgbClr val="EB6F92"/>
-                </a:solidFill>
-                <a:latin typeface="Agave"/>
-                <a:ea typeface="Agave"/>
-                <a:cs typeface="Agave"/>
-              </a:rPr>
-              <a:t>—The Ministry </a:t>
-            </a:r>
-            <a:r>
-              <a:rPr lang="en-US" sz="2400" b="0" i="1" u="none" strike="noStrike" cap="none" spc="0">
-                <a:solidFill>
-                  <a:srgbClr val="EB6F92"/>
-                </a:solidFill>
-                <a:latin typeface="Agave"/>
-                <a:ea typeface="Agave"/>
-                <a:cs typeface="Agave"/>
-              </a:rPr>
-              <a:t>of Healing, 297, 298, 1905</a:t>
-            </a:r>
-            <a:endParaRPr lang="en-US" sz="2400" b="0" i="0" u="none" strike="noStrike" cap="none" spc="0">
-              <a:solidFill>
-                <a:schemeClr val="bg1"/>
-              </a:solidFill>
-              <a:latin typeface="Agave"/>
-              <a:cs typeface="Agave"/>
-            </a:endParaRPr>
-          </a:p>
-        </p:txBody>
-      </p:sp>
-      <p:sp>
-        <p:nvSpPr>
-          <p:cNvPr id="1858725977" name="TextBox 6"/>
-          <p:cNvSpPr txBox="1"/>
-          <p:nvPr/>
-        </p:nvSpPr>
-        <p:spPr bwMode="auto">
-          <a:xfrm rot="0" flipH="0" flipV="0">
-            <a:off x="-80785" y="710788"/>
-            <a:ext cx="10586658" cy="782425"/>
-          </a:xfrm>
-          <a:prstGeom prst="rect">
-            <a:avLst/>
-          </a:prstGeom>
-        </p:spPr>
-        <p:txBody>
-          <a:bodyPr lIns="0" tIns="0" rIns="0" bIns="0" rtlCol="0" anchor="t">
-            <a:spAutoFit/>
-          </a:bodyPr>
-          <a:lstStyle/>
-          <a:p>
-            <a:pPr algn="ctr">
-              <a:lnSpc>
-                <a:spcPts val="6157"/>
-              </a:lnSpc>
-              <a:defRPr/>
-            </a:pPr>
-            <a:r>
-              <a:rPr lang="en-US" sz="2200" b="0">
-                <a:solidFill>
-                  <a:schemeClr val="bg1">
-                    <a:lumMod val="75000"/>
-                  </a:schemeClr>
-                </a:solidFill>
-                <a:latin typeface="Agave"/>
-                <a:ea typeface="Agave"/>
-                <a:cs typeface="Agave"/>
-              </a:rPr>
-              <a:t>Tharrey et al (2018). International Journal of Epidemiology, 47(5)</a:t>
-            </a:r>
-            <a:endParaRPr sz="2200" b="0">
-              <a:solidFill>
-                <a:schemeClr val="bg1">
-                  <a:lumMod val="75000"/>
-                </a:schemeClr>
-              </a:solidFill>
-              <a:latin typeface="Tinos"/>
-              <a:cs typeface="Tinos"/>
-            </a:endParaRPr>
-          </a:p>
-        </p:txBody>
-      </p:sp>
-      <p:sp>
-        <p:nvSpPr>
-          <p:cNvPr id="1270383714" name="TextBox 6"/>
-          <p:cNvSpPr txBox="1"/>
-          <p:nvPr/>
-        </p:nvSpPr>
-        <p:spPr bwMode="auto">
-          <a:xfrm rot="0" flipH="0" flipV="0">
-            <a:off x="8768151" y="9279214"/>
-            <a:ext cx="1262859" cy="782552"/>
-          </a:xfrm>
-          <a:prstGeom prst="rect">
-            <a:avLst/>
-          </a:prstGeom>
-        </p:spPr>
-        <p:txBody>
-          <a:bodyPr lIns="0" tIns="0" rIns="0" bIns="0" rtlCol="0" anchor="t">
-            <a:spAutoFit/>
-          </a:bodyPr>
-          <a:lstStyle/>
-          <a:p>
-            <a:pPr algn="ctr">
-              <a:lnSpc>
-                <a:spcPts val="6158"/>
-              </a:lnSpc>
-              <a:defRPr/>
-            </a:pPr>
-            <a:r>
-              <a:rPr lang="en-US" sz="2600" b="0">
-                <a:solidFill>
-                  <a:schemeClr val="bg1"/>
-                </a:solidFill>
-                <a:latin typeface="Agave"/>
-                <a:ea typeface="Agave"/>
-                <a:cs typeface="Agave"/>
-              </a:rPr>
-              <a:t>3/3</a:t>
-            </a:r>
-            <a:endParaRPr sz="2600" b="0">
-              <a:solidFill>
-                <a:schemeClr val="bg1"/>
-              </a:solidFill>
-              <a:latin typeface="Tinos"/>
-              <a:cs typeface="Tinos"/>
             </a:endParaRPr>
           </a:p>
         </p:txBody>
@@ -6316,14 +5655,14 @@
       </p:sp>
       <p:sp>
         <p:nvSpPr>
-          <p:cNvPr id="1706019292" name="TextBox 6"/>
+          <p:cNvPr id="1645935553" name="TextBox 6"/>
           <p:cNvSpPr txBox="1"/>
           <p:nvPr/>
         </p:nvSpPr>
         <p:spPr bwMode="auto">
           <a:xfrm rot="0" flipH="0" flipV="0">
-            <a:off x="501507" y="9279211"/>
-            <a:ext cx="4009946" cy="1056618"/>
+            <a:off x="8875236" y="9443439"/>
+            <a:ext cx="1262859" cy="782552"/>
           </a:xfrm>
           <a:prstGeom prst="rect">
             <a:avLst/>
@@ -6337,12 +5676,12 @@
           <a:p>
             <a:pPr algn="ctr">
               <a:lnSpc>
-                <a:spcPts val="6156"/>
+                <a:spcPts val="6158"/>
               </a:lnSpc>
               <a:defRPr/>
             </a:pPr>
             <a:r>
-              <a:rPr lang="en-US" sz="2600" b="0" i="0" u="none" strike="noStrike" cap="none" spc="0">
+              <a:rPr lang="en-US" sz="2600" b="0">
                 <a:solidFill>
                   <a:schemeClr val="bg1"/>
                 </a:solidFill>
@@ -6350,7 +5689,7 @@
                 <a:ea typeface="Agave"/>
                 <a:cs typeface="Agave"/>
               </a:rPr>
-              <a:t>Counsels on Lifestyle</a:t>
+              <a:t>3/3</a:t>
             </a:r>
             <a:endParaRPr sz="2600" b="0">
               <a:solidFill>
@@ -6360,24 +5699,18 @@
               <a:cs typeface="Tinos"/>
             </a:endParaRPr>
           </a:p>
-          <a:p>
-            <a:pPr>
-              <a:defRPr/>
-            </a:pPr>
-            <a:endParaRPr/>
-          </a:p>
-        </p:txBody>
-      </p:sp>
-      <p:sp>
-        <p:nvSpPr>
-          <p:cNvPr id="594252314" name="TextBox 6"/>
+        </p:txBody>
+      </p:sp>
+      <p:sp>
+        <p:nvSpPr>
+          <p:cNvPr id="1120953286" name="TextBox 6"/>
           <p:cNvSpPr txBox="1"/>
           <p:nvPr/>
         </p:nvSpPr>
         <p:spPr bwMode="auto">
           <a:xfrm rot="0" flipH="0" flipV="0">
-            <a:off x="-291594" y="163460"/>
-            <a:ext cx="11011159" cy="782425"/>
+            <a:off x="173058" y="9377743"/>
+            <a:ext cx="4017144" cy="782172"/>
           </a:xfrm>
           <a:prstGeom prst="rect">
             <a:avLst/>
@@ -6391,12 +5724,12 @@
           <a:p>
             <a:pPr algn="ctr">
               <a:lnSpc>
-                <a:spcPts val="6157"/>
+                <a:spcPts val="6155"/>
               </a:lnSpc>
               <a:defRPr/>
             </a:pPr>
             <a:r>
-              <a:rPr lang="en-US" sz="2800" b="0">
+              <a:rPr lang="en-US" sz="2600" b="0">
                 <a:solidFill>
                   <a:schemeClr val="bg1"/>
                 </a:solidFill>
@@ -6404,20 +5737,9 @@
                 <a:ea typeface="Agave"/>
                 <a:cs typeface="Agave"/>
               </a:rPr>
-              <a:t>Nuts, Seeds, </a:t>
-            </a:r>
-            <a:r>
-              <a:rPr lang="en-US" sz="2800" b="0">
-                <a:solidFill>
-                  <a:schemeClr val="bg1"/>
-                </a:solidFill>
-                <a:latin typeface="Agave"/>
-                <a:ea typeface="Agave"/>
-                <a:cs typeface="Agave"/>
-              </a:rPr>
-              <a:t>Meat and Cardiovascular Disease (CVD)</a:t>
-            </a:r>
-            <a:endParaRPr sz="2800" b="0">
+              <a:t>Counsels on Lifestyle</a:t>
+            </a:r>
+            <a:endParaRPr sz="2600" b="0">
               <a:solidFill>
                 <a:schemeClr val="bg1"/>
               </a:solidFill>
@@ -6427,6 +5749,46 @@
           </a:p>
         </p:txBody>
       </p:sp>
+      <p:cxnSp>
+        <p:nvCxnSpPr>
+          <p:cNvPr id="287694160" name=""/>
+          <p:cNvCxnSpPr>
+            <a:cxnSpLocks/>
+          </p:cNvCxnSpPr>
+          <p:nvPr/>
+        </p:nvCxnSpPr>
+        <p:spPr bwMode="auto">
+          <a:xfrm flipH="0" flipV="0">
+            <a:off x="13611" y="9578863"/>
+            <a:ext cx="10247581" cy="75540"/>
+          </a:xfrm>
+          <a:prstGeom prst="line">
+            <a:avLst/>
+          </a:prstGeom>
+          <a:ln w="38099" cap="flat" cmpd="sng" algn="ctr">
+            <a:solidFill>
+              <a:schemeClr val="bg1"/>
+            </a:solidFill>
+            <a:prstDash val="solid"/>
+          </a:ln>
+        </p:spPr>
+        <p:style>
+          <a:lnRef idx="1">
+            <a:schemeClr val="accent1">
+              <a:shade val="50000"/>
+            </a:schemeClr>
+          </a:lnRef>
+          <a:fillRef idx="0">
+            <a:schemeClr val="accent1"/>
+          </a:fillRef>
+          <a:effectRef idx="0">
+            <a:schemeClr val="accent1"/>
+          </a:effectRef>
+          <a:fontRef idx="minor">
+            <a:schemeClr val="tx1"/>
+          </a:fontRef>
+        </p:style>
+      </p:cxnSp>
     </p:spTree>
   </p:cSld>
   <p:clrMapOvr>

--- a/posts/3/slides.pptx
+++ b/posts/3/slides.pptx
@@ -4410,7 +4410,7 @@
         </p:nvSpPr>
         <p:spPr bwMode="auto">
           <a:xfrm flipH="0" flipV="0">
-            <a:off x="5218439" y="8243686"/>
+            <a:off x="5218438" y="8243686"/>
             <a:ext cx="2160536" cy="457559"/>
           </a:xfrm>
           <a:prstGeom prst="rect">
@@ -4498,7 +4498,7 @@
         </p:nvSpPr>
         <p:spPr bwMode="auto">
           <a:xfrm flipH="0" flipV="0">
-            <a:off x="8150827" y="8220036"/>
+            <a:off x="8150827" y="8220035"/>
             <a:ext cx="2162335" cy="457559"/>
           </a:xfrm>
           <a:prstGeom prst="rect">
@@ -4543,7 +4543,7 @@
           <p:nvPr/>
         </p:nvCxnSpPr>
         <p:spPr bwMode="auto">
-          <a:xfrm rot="10799990" flipH="1" flipV="0">
+          <a:xfrm rot="10799989" flipH="1" flipV="0">
             <a:off x="928800" y="8222400"/>
             <a:ext cx="7947292" cy="33995"/>
           </a:xfrm>
@@ -4753,54 +4753,6 @@
                 <a:cs typeface="Agave"/>
               </a:rPr>
               <a:t>1/3</a:t>
-            </a:r>
-            <a:endParaRPr sz="2600" b="0">
-              <a:solidFill>
-                <a:schemeClr val="bg1"/>
-              </a:solidFill>
-              <a:latin typeface="Tinos"/>
-              <a:cs typeface="Tinos"/>
-            </a:endParaRPr>
-          </a:p>
-        </p:txBody>
-      </p:sp>
-      <p:sp>
-        <p:nvSpPr>
-          <p:cNvPr id="994270071" name="TextBox 6"/>
-          <p:cNvSpPr txBox="1"/>
-          <p:nvPr/>
-        </p:nvSpPr>
-        <p:spPr bwMode="auto">
-          <a:xfrm rot="0" flipH="0" flipV="0">
-            <a:off x="173058" y="9377743"/>
-            <a:ext cx="4017144" cy="782172"/>
-          </a:xfrm>
-          <a:prstGeom prst="rect">
-            <a:avLst/>
-          </a:prstGeom>
-        </p:spPr>
-        <p:txBody>
-          <a:bodyPr lIns="0" tIns="0" rIns="0" bIns="0" rtlCol="0" anchor="t">
-            <a:spAutoFit/>
-          </a:bodyPr>
-          <a:lstStyle/>
-          <a:p>
-            <a:pPr algn="ctr">
-              <a:lnSpc>
-                <a:spcPts val="6155"/>
-              </a:lnSpc>
-              <a:defRPr/>
-            </a:pPr>
-            <a:r>
-              <a:rPr lang="en-US" sz="2600" b="0">
-                <a:solidFill>
-                  <a:schemeClr val="bg1"/>
-                </a:solidFill>
-                <a:latin typeface="Agave"/>
-                <a:ea typeface="Agave"/>
-                <a:cs typeface="Agave"/>
-              </a:rPr>
-              <a:t>Counsels on Lifestyle</a:t>
             </a:r>
             <a:endParaRPr sz="2600" b="0">
               <a:solidFill>
@@ -4892,6 +4844,54 @@
           </a:fontRef>
         </p:style>
       </p:cxnSp>
+      <p:sp>
+        <p:nvSpPr>
+          <p:cNvPr id="1053761875" name="TextBox 6"/>
+          <p:cNvSpPr txBox="1"/>
+          <p:nvPr/>
+        </p:nvSpPr>
+        <p:spPr bwMode="auto">
+          <a:xfrm rot="0" flipH="0" flipV="0">
+            <a:off x="173055" y="9377742"/>
+            <a:ext cx="4594244" cy="782044"/>
+          </a:xfrm>
+          <a:prstGeom prst="rect">
+            <a:avLst/>
+          </a:prstGeom>
+        </p:spPr>
+        <p:txBody>
+          <a:bodyPr lIns="0" tIns="0" rIns="0" bIns="0" rtlCol="0" anchor="t">
+            <a:spAutoFit/>
+          </a:bodyPr>
+          <a:lstStyle/>
+          <a:p>
+            <a:pPr algn="ctr">
+              <a:lnSpc>
+                <a:spcPts val="6154"/>
+              </a:lnSpc>
+              <a:defRPr/>
+            </a:pPr>
+            <a:r>
+              <a:rPr lang="en-US" sz="2600" b="0">
+                <a:solidFill>
+                  <a:schemeClr val="bg1"/>
+                </a:solidFill>
+                <a:latin typeface="Agave"/>
+                <a:ea typeface="Agave"/>
+                <a:cs typeface="Agave"/>
+              </a:rPr>
+              <a:t>The Health Message Works!</a:t>
+            </a:r>
+            <a:endParaRPr sz="2600" b="0">
+              <a:solidFill>
+                <a:schemeClr val="bg1"/>
+              </a:solidFill>
+              <a:latin typeface="Tinos"/>
+              <a:cs typeface="Tinos"/>
+            </a:endParaRPr>
+          </a:p>
+        </p:txBody>
+      </p:sp>
     </p:spTree>
   </p:cSld>
   <p:clrMapOvr>
@@ -5214,54 +5214,6 @@
           </a:p>
         </p:txBody>
       </p:sp>
-      <p:sp>
-        <p:nvSpPr>
-          <p:cNvPr id="1467632412" name="TextBox 6"/>
-          <p:cNvSpPr txBox="1"/>
-          <p:nvPr/>
-        </p:nvSpPr>
-        <p:spPr bwMode="auto">
-          <a:xfrm rot="0" flipH="0" flipV="0">
-            <a:off x="173058" y="9377743"/>
-            <a:ext cx="4017144" cy="782172"/>
-          </a:xfrm>
-          <a:prstGeom prst="rect">
-            <a:avLst/>
-          </a:prstGeom>
-        </p:spPr>
-        <p:txBody>
-          <a:bodyPr lIns="0" tIns="0" rIns="0" bIns="0" rtlCol="0" anchor="t">
-            <a:spAutoFit/>
-          </a:bodyPr>
-          <a:lstStyle/>
-          <a:p>
-            <a:pPr algn="ctr">
-              <a:lnSpc>
-                <a:spcPts val="6155"/>
-              </a:lnSpc>
-              <a:defRPr/>
-            </a:pPr>
-            <a:r>
-              <a:rPr lang="en-US" sz="2600" b="0">
-                <a:solidFill>
-                  <a:schemeClr val="bg1"/>
-                </a:solidFill>
-                <a:latin typeface="Agave"/>
-                <a:ea typeface="Agave"/>
-                <a:cs typeface="Agave"/>
-              </a:rPr>
-              <a:t>Counsels on Lifestyle</a:t>
-            </a:r>
-            <a:endParaRPr sz="2600" b="0">
-              <a:solidFill>
-                <a:schemeClr val="bg1"/>
-              </a:solidFill>
-              <a:latin typeface="Tinos"/>
-              <a:cs typeface="Tinos"/>
-            </a:endParaRPr>
-          </a:p>
-        </p:txBody>
-      </p:sp>
       <p:cxnSp>
         <p:nvCxnSpPr>
           <p:cNvPr id="1139868621" name=""/>
@@ -5281,6 +5233,139 @@
           <a:ln w="38099" cap="flat" cmpd="sng" algn="ctr">
             <a:solidFill>
               <a:schemeClr val="bg1"/>
+            </a:solidFill>
+            <a:prstDash val="solid"/>
+          </a:ln>
+        </p:spPr>
+        <p:style>
+          <a:lnRef idx="1">
+            <a:schemeClr val="accent1">
+              <a:shade val="50000"/>
+            </a:schemeClr>
+          </a:lnRef>
+          <a:fillRef idx="0">
+            <a:schemeClr val="accent1"/>
+          </a:fillRef>
+          <a:effectRef idx="0">
+            <a:schemeClr val="accent1"/>
+          </a:effectRef>
+          <a:fontRef idx="minor">
+            <a:schemeClr val="tx1"/>
+          </a:fontRef>
+        </p:style>
+      </p:cxnSp>
+      <p:sp>
+        <p:nvSpPr>
+          <p:cNvPr id="1168438467" name="TextBox 6"/>
+          <p:cNvSpPr txBox="1"/>
+          <p:nvPr/>
+        </p:nvSpPr>
+        <p:spPr bwMode="auto">
+          <a:xfrm rot="0" flipH="0" flipV="0">
+            <a:off x="173055" y="9377742"/>
+            <a:ext cx="4594244" cy="782044"/>
+          </a:xfrm>
+          <a:prstGeom prst="rect">
+            <a:avLst/>
+          </a:prstGeom>
+        </p:spPr>
+        <p:txBody>
+          <a:bodyPr lIns="0" tIns="0" rIns="0" bIns="0" rtlCol="0" anchor="t">
+            <a:spAutoFit/>
+          </a:bodyPr>
+          <a:lstStyle/>
+          <a:p>
+            <a:pPr algn="ctr">
+              <a:lnSpc>
+                <a:spcPts val="6154"/>
+              </a:lnSpc>
+              <a:defRPr/>
+            </a:pPr>
+            <a:r>
+              <a:rPr lang="en-US" sz="2600" b="0">
+                <a:solidFill>
+                  <a:schemeClr val="bg1"/>
+                </a:solidFill>
+                <a:latin typeface="Agave"/>
+                <a:ea typeface="Agave"/>
+                <a:cs typeface="Agave"/>
+              </a:rPr>
+              <a:t>The Health Message Works!</a:t>
+            </a:r>
+            <a:endParaRPr sz="2600" b="0">
+              <a:solidFill>
+                <a:schemeClr val="bg1"/>
+              </a:solidFill>
+              <a:latin typeface="Tinos"/>
+              <a:cs typeface="Tinos"/>
+            </a:endParaRPr>
+          </a:p>
+        </p:txBody>
+      </p:sp>
+      <p:sp>
+        <p:nvSpPr>
+          <p:cNvPr id="887272214" name=""/>
+          <p:cNvSpPr txBox="1"/>
+          <p:nvPr/>
+        </p:nvSpPr>
+        <p:spPr bwMode="auto">
+          <a:xfrm flipH="0" flipV="0">
+            <a:off x="3517758" y="155342"/>
+            <a:ext cx="6556170" cy="488039"/>
+          </a:xfrm>
+          <a:prstGeom prst="rect">
+            <a:avLst/>
+          </a:prstGeom>
+          <a:noFill/>
+        </p:spPr>
+        <p:txBody>
+          <a:bodyPr vertOverflow="overflow" horzOverflow="overflow" vert="horz" wrap="square" lIns="91440" tIns="45720" rIns="91440" bIns="45720" numCol="1" spcCol="0" rtlCol="0" fromWordArt="0" anchor="t" anchorCtr="0" forceAA="0" upright="0" compatLnSpc="0">
+            <a:spAutoFit/>
+          </a:bodyPr>
+          <a:p>
+            <a:pPr algn="r">
+              <a:defRPr/>
+            </a:pPr>
+            <a:r>
+              <a:rPr sz="2600" b="0">
+                <a:solidFill>
+                  <a:schemeClr val="bg1"/>
+                </a:solidFill>
+                <a:latin typeface="Agave"/>
+                <a:ea typeface="Agave"/>
+                <a:cs typeface="Agave"/>
+              </a:rPr>
+              <a:t>Scientific Research - 2018</a:t>
+            </a:r>
+            <a:endParaRPr sz="2600" b="0">
+              <a:solidFill>
+                <a:schemeClr val="bg1"/>
+              </a:solidFill>
+              <a:latin typeface="Agave"/>
+              <a:cs typeface="Agave"/>
+            </a:endParaRPr>
+          </a:p>
+        </p:txBody>
+      </p:sp>
+      <p:cxnSp>
+        <p:nvCxnSpPr>
+          <p:cNvPr id="659315727" name=""/>
+          <p:cNvCxnSpPr>
+            <a:cxnSpLocks/>
+          </p:cNvCxnSpPr>
+          <p:nvPr/>
+        </p:nvCxnSpPr>
+        <p:spPr bwMode="auto">
+          <a:xfrm flipH="0" flipV="0">
+            <a:off x="1785" y="698934"/>
+            <a:ext cx="10247580" cy="75539"/>
+          </a:xfrm>
+          <a:prstGeom prst="line">
+            <a:avLst/>
+          </a:prstGeom>
+          <a:ln w="38099" cap="flat" cmpd="sng" algn="ctr">
+            <a:solidFill>
+              <a:srgbClr val="FFFFFF"/>
             </a:solidFill>
             <a:prstDash val="solid"/>
           </a:ln>
@@ -5701,54 +5786,6 @@
           </a:p>
         </p:txBody>
       </p:sp>
-      <p:sp>
-        <p:nvSpPr>
-          <p:cNvPr id="1120953286" name="TextBox 6"/>
-          <p:cNvSpPr txBox="1"/>
-          <p:nvPr/>
-        </p:nvSpPr>
-        <p:spPr bwMode="auto">
-          <a:xfrm rot="0" flipH="0" flipV="0">
-            <a:off x="173058" y="9377743"/>
-            <a:ext cx="4017144" cy="782172"/>
-          </a:xfrm>
-          <a:prstGeom prst="rect">
-            <a:avLst/>
-          </a:prstGeom>
-        </p:spPr>
-        <p:txBody>
-          <a:bodyPr lIns="0" tIns="0" rIns="0" bIns="0" rtlCol="0" anchor="t">
-            <a:spAutoFit/>
-          </a:bodyPr>
-          <a:lstStyle/>
-          <a:p>
-            <a:pPr algn="ctr">
-              <a:lnSpc>
-                <a:spcPts val="6155"/>
-              </a:lnSpc>
-              <a:defRPr/>
-            </a:pPr>
-            <a:r>
-              <a:rPr lang="en-US" sz="2600" b="0">
-                <a:solidFill>
-                  <a:schemeClr val="bg1"/>
-                </a:solidFill>
-                <a:latin typeface="Agave"/>
-                <a:ea typeface="Agave"/>
-                <a:cs typeface="Agave"/>
-              </a:rPr>
-              <a:t>Counsels on Lifestyle</a:t>
-            </a:r>
-            <a:endParaRPr sz="2600" b="0">
-              <a:solidFill>
-                <a:schemeClr val="bg1"/>
-              </a:solidFill>
-              <a:latin typeface="Tinos"/>
-              <a:cs typeface="Tinos"/>
-            </a:endParaRPr>
-          </a:p>
-        </p:txBody>
-      </p:sp>
       <p:cxnSp>
         <p:nvCxnSpPr>
           <p:cNvPr id="287694160" name=""/>
@@ -5768,6 +5805,139 @@
           <a:ln w="38099" cap="flat" cmpd="sng" algn="ctr">
             <a:solidFill>
               <a:schemeClr val="bg1"/>
+            </a:solidFill>
+            <a:prstDash val="solid"/>
+          </a:ln>
+        </p:spPr>
+        <p:style>
+          <a:lnRef idx="1">
+            <a:schemeClr val="accent1">
+              <a:shade val="50000"/>
+            </a:schemeClr>
+          </a:lnRef>
+          <a:fillRef idx="0">
+            <a:schemeClr val="accent1"/>
+          </a:fillRef>
+          <a:effectRef idx="0">
+            <a:schemeClr val="accent1"/>
+          </a:effectRef>
+          <a:fontRef idx="minor">
+            <a:schemeClr val="tx1"/>
+          </a:fontRef>
+        </p:style>
+      </p:cxnSp>
+      <p:sp>
+        <p:nvSpPr>
+          <p:cNvPr id="252704983" name="TextBox 6"/>
+          <p:cNvSpPr txBox="1"/>
+          <p:nvPr/>
+        </p:nvSpPr>
+        <p:spPr bwMode="auto">
+          <a:xfrm rot="0" flipH="0" flipV="0">
+            <a:off x="173055" y="9377742"/>
+            <a:ext cx="4594244" cy="782044"/>
+          </a:xfrm>
+          <a:prstGeom prst="rect">
+            <a:avLst/>
+          </a:prstGeom>
+        </p:spPr>
+        <p:txBody>
+          <a:bodyPr lIns="0" tIns="0" rIns="0" bIns="0" rtlCol="0" anchor="t">
+            <a:spAutoFit/>
+          </a:bodyPr>
+          <a:lstStyle/>
+          <a:p>
+            <a:pPr algn="ctr">
+              <a:lnSpc>
+                <a:spcPts val="6154"/>
+              </a:lnSpc>
+              <a:defRPr/>
+            </a:pPr>
+            <a:r>
+              <a:rPr lang="en-US" sz="2600" b="0">
+                <a:solidFill>
+                  <a:schemeClr val="bg1"/>
+                </a:solidFill>
+                <a:latin typeface="Agave"/>
+                <a:ea typeface="Agave"/>
+                <a:cs typeface="Agave"/>
+              </a:rPr>
+              <a:t>The Health Message Works!</a:t>
+            </a:r>
+            <a:endParaRPr sz="2600" b="0">
+              <a:solidFill>
+                <a:schemeClr val="bg1"/>
+              </a:solidFill>
+              <a:latin typeface="Tinos"/>
+              <a:cs typeface="Tinos"/>
+            </a:endParaRPr>
+          </a:p>
+        </p:txBody>
+      </p:sp>
+      <p:sp>
+        <p:nvSpPr>
+          <p:cNvPr id="706965730" name=""/>
+          <p:cNvSpPr txBox="1"/>
+          <p:nvPr/>
+        </p:nvSpPr>
+        <p:spPr bwMode="auto">
+          <a:xfrm flipH="0" flipV="0">
+            <a:off x="3517758" y="155342"/>
+            <a:ext cx="6549690" cy="488039"/>
+          </a:xfrm>
+          <a:prstGeom prst="rect">
+            <a:avLst/>
+          </a:prstGeom>
+          <a:noFill/>
+        </p:spPr>
+        <p:txBody>
+          <a:bodyPr vertOverflow="overflow" horzOverflow="overflow" vert="horz" wrap="square" lIns="91440" tIns="45720" rIns="91440" bIns="45720" numCol="1" spcCol="0" rtlCol="0" fromWordArt="0" anchor="t" anchorCtr="0" forceAA="0" upright="0" compatLnSpc="0">
+            <a:spAutoFit/>
+          </a:bodyPr>
+          <a:p>
+            <a:pPr algn="r">
+              <a:defRPr/>
+            </a:pPr>
+            <a:r>
+              <a:rPr sz="2600" b="0">
+                <a:solidFill>
+                  <a:schemeClr val="bg1"/>
+                </a:solidFill>
+                <a:latin typeface="Agave"/>
+                <a:ea typeface="Agave"/>
+                <a:cs typeface="Agave"/>
+              </a:rPr>
+              <a:t>Ellen G. White - 1905</a:t>
+            </a:r>
+            <a:endParaRPr sz="2600" b="0">
+              <a:solidFill>
+                <a:schemeClr val="bg1"/>
+              </a:solidFill>
+              <a:latin typeface="Agave"/>
+              <a:cs typeface="Agave"/>
+            </a:endParaRPr>
+          </a:p>
+        </p:txBody>
+      </p:sp>
+      <p:cxnSp>
+        <p:nvCxnSpPr>
+          <p:cNvPr id="1733101035" name=""/>
+          <p:cNvCxnSpPr>
+            <a:cxnSpLocks/>
+          </p:cNvCxnSpPr>
+          <p:nvPr/>
+        </p:nvCxnSpPr>
+        <p:spPr bwMode="auto">
+          <a:xfrm flipH="0" flipV="0">
+            <a:off x="1785" y="698934"/>
+            <a:ext cx="10247580" cy="75539"/>
+          </a:xfrm>
+          <a:prstGeom prst="line">
+            <a:avLst/>
+          </a:prstGeom>
+          <a:ln w="38099" cap="flat" cmpd="sng" algn="ctr">
+            <a:solidFill>
+              <a:srgbClr val="FFFFFF"/>
             </a:solidFill>
             <a:prstDash val="solid"/>
           </a:ln>
